--- a/app/static/images0/ytbg.pptx
+++ b/app/static/images0/ytbg.pptx
@@ -259,7 +259,7 @@
           <a:p>
             <a:fld id="{117D3312-2144-4C7E-858D-02C968285917}" type="datetimeFigureOut">
               <a:rPr kumimoji="1" lang="ja-JP" altLang="en-US" smtClean="0"/>
-              <a:t>2020/5/16</a:t>
+              <a:t>2020/5/17</a:t>
             </a:fld>
             <a:endParaRPr kumimoji="1" lang="ja-JP" altLang="en-US"/>
           </a:p>
@@ -489,7 +489,7 @@
           <a:p>
             <a:fld id="{117D3312-2144-4C7E-858D-02C968285917}" type="datetimeFigureOut">
               <a:rPr kumimoji="1" lang="ja-JP" altLang="en-US" smtClean="0"/>
-              <a:t>2020/5/16</a:t>
+              <a:t>2020/5/17</a:t>
             </a:fld>
             <a:endParaRPr kumimoji="1" lang="ja-JP" altLang="en-US"/>
           </a:p>
@@ -729,7 +729,7 @@
           <a:p>
             <a:fld id="{117D3312-2144-4C7E-858D-02C968285917}" type="datetimeFigureOut">
               <a:rPr kumimoji="1" lang="ja-JP" altLang="en-US" smtClean="0"/>
-              <a:t>2020/5/16</a:t>
+              <a:t>2020/5/17</a:t>
             </a:fld>
             <a:endParaRPr kumimoji="1" lang="ja-JP" altLang="en-US"/>
           </a:p>
@@ -959,7 +959,7 @@
           <a:p>
             <a:fld id="{117D3312-2144-4C7E-858D-02C968285917}" type="datetimeFigureOut">
               <a:rPr kumimoji="1" lang="ja-JP" altLang="en-US" smtClean="0"/>
-              <a:t>2020/5/16</a:t>
+              <a:t>2020/5/17</a:t>
             </a:fld>
             <a:endParaRPr kumimoji="1" lang="ja-JP" altLang="en-US"/>
           </a:p>
@@ -1234,7 +1234,7 @@
           <a:p>
             <a:fld id="{117D3312-2144-4C7E-858D-02C968285917}" type="datetimeFigureOut">
               <a:rPr kumimoji="1" lang="ja-JP" altLang="en-US" smtClean="0"/>
-              <a:t>2020/5/16</a:t>
+              <a:t>2020/5/17</a:t>
             </a:fld>
             <a:endParaRPr kumimoji="1" lang="ja-JP" altLang="en-US"/>
           </a:p>
@@ -1563,7 +1563,7 @@
           <a:p>
             <a:fld id="{117D3312-2144-4C7E-858D-02C968285917}" type="datetimeFigureOut">
               <a:rPr kumimoji="1" lang="ja-JP" altLang="en-US" smtClean="0"/>
-              <a:t>2020/5/16</a:t>
+              <a:t>2020/5/17</a:t>
             </a:fld>
             <a:endParaRPr kumimoji="1" lang="ja-JP" altLang="en-US"/>
           </a:p>
@@ -2039,7 +2039,7 @@
           <a:p>
             <a:fld id="{117D3312-2144-4C7E-858D-02C968285917}" type="datetimeFigureOut">
               <a:rPr kumimoji="1" lang="ja-JP" altLang="en-US" smtClean="0"/>
-              <a:t>2020/5/16</a:t>
+              <a:t>2020/5/17</a:t>
             </a:fld>
             <a:endParaRPr kumimoji="1" lang="ja-JP" altLang="en-US"/>
           </a:p>
@@ -2180,7 +2180,7 @@
           <a:p>
             <a:fld id="{117D3312-2144-4C7E-858D-02C968285917}" type="datetimeFigureOut">
               <a:rPr kumimoji="1" lang="ja-JP" altLang="en-US" smtClean="0"/>
-              <a:t>2020/5/16</a:t>
+              <a:t>2020/5/17</a:t>
             </a:fld>
             <a:endParaRPr kumimoji="1" lang="ja-JP" altLang="en-US"/>
           </a:p>
@@ -2293,7 +2293,7 @@
           <a:p>
             <a:fld id="{117D3312-2144-4C7E-858D-02C968285917}" type="datetimeFigureOut">
               <a:rPr kumimoji="1" lang="ja-JP" altLang="en-US" smtClean="0"/>
-              <a:t>2020/5/16</a:t>
+              <a:t>2020/5/17</a:t>
             </a:fld>
             <a:endParaRPr kumimoji="1" lang="ja-JP" altLang="en-US"/>
           </a:p>
@@ -2636,7 +2636,7 @@
           <a:p>
             <a:fld id="{117D3312-2144-4C7E-858D-02C968285917}" type="datetimeFigureOut">
               <a:rPr kumimoji="1" lang="ja-JP" altLang="en-US" smtClean="0"/>
-              <a:t>2020/5/16</a:t>
+              <a:t>2020/5/17</a:t>
             </a:fld>
             <a:endParaRPr kumimoji="1" lang="ja-JP" altLang="en-US"/>
           </a:p>
@@ -2924,7 +2924,7 @@
           <a:p>
             <a:fld id="{117D3312-2144-4C7E-858D-02C968285917}" type="datetimeFigureOut">
               <a:rPr kumimoji="1" lang="ja-JP" altLang="en-US" smtClean="0"/>
-              <a:t>2020/5/16</a:t>
+              <a:t>2020/5/17</a:t>
             </a:fld>
             <a:endParaRPr kumimoji="1" lang="ja-JP" altLang="en-US"/>
           </a:p>
@@ -3197,7 +3197,7 @@
           <a:p>
             <a:fld id="{117D3312-2144-4C7E-858D-02C968285917}" type="datetimeFigureOut">
               <a:rPr kumimoji="1" lang="ja-JP" altLang="en-US" smtClean="0"/>
-              <a:t>2020/5/16</a:t>
+              <a:t>2020/5/17</a:t>
             </a:fld>
             <a:endParaRPr kumimoji="1" lang="ja-JP" altLang="en-US"/>
           </a:p>
@@ -4273,6 +4273,155 @@
           </a:p>
         </p:txBody>
       </p:sp>
+      <p:grpSp>
+        <p:nvGrpSpPr>
+          <p:cNvPr id="17" name="グループ化 16">
+            <a:extLst>
+              <a:ext uri="{FF2B5EF4-FFF2-40B4-BE49-F238E27FC236}">
+                <a16:creationId xmlns:a16="http://schemas.microsoft.com/office/drawing/2014/main" id="{1D4B83D7-B313-4167-BD71-229F8DEA1807}"/>
+              </a:ext>
+            </a:extLst>
+          </p:cNvPr>
+          <p:cNvGrpSpPr/>
+          <p:nvPr/>
+        </p:nvGrpSpPr>
+        <p:grpSpPr>
+          <a:xfrm>
+            <a:off x="6095999" y="4548270"/>
+            <a:ext cx="1329426" cy="1314450"/>
+            <a:chOff x="8300350" y="4437798"/>
+            <a:chExt cx="1329426" cy="1314450"/>
+          </a:xfrm>
+        </p:grpSpPr>
+        <p:sp>
+          <p:nvSpPr>
+            <p:cNvPr id="16" name="四角形: 角を丸くする 15">
+              <a:extLst>
+                <a:ext uri="{FF2B5EF4-FFF2-40B4-BE49-F238E27FC236}">
+                  <a16:creationId xmlns:a16="http://schemas.microsoft.com/office/drawing/2014/main" id="{F0B976F4-5F03-4A45-9FD7-6B3CB2B4C707}"/>
+                </a:ext>
+              </a:extLst>
+            </p:cNvPr>
+            <p:cNvSpPr/>
+            <p:nvPr/>
+          </p:nvSpPr>
+          <p:spPr>
+            <a:xfrm>
+              <a:off x="8300350" y="4437798"/>
+              <a:ext cx="1329426" cy="1314450"/>
+            </a:xfrm>
+            <a:prstGeom prst="roundRect">
+              <a:avLst>
+                <a:gd name="adj" fmla="val 15641"/>
+              </a:avLst>
+            </a:prstGeom>
+            <a:blipFill>
+              <a:blip r:embed="rId4"/>
+              <a:tile tx="0" ty="0" sx="100000" sy="100000" flip="none" algn="tl"/>
+            </a:blipFill>
+            <a:ln w="38100">
+              <a:solidFill>
+                <a:schemeClr val="accent2">
+                  <a:lumMod val="50000"/>
+                </a:schemeClr>
+              </a:solidFill>
+            </a:ln>
+          </p:spPr>
+          <p:style>
+            <a:lnRef idx="2">
+              <a:schemeClr val="accent1">
+                <a:shade val="50000"/>
+              </a:schemeClr>
+            </a:lnRef>
+            <a:fillRef idx="1">
+              <a:schemeClr val="accent1"/>
+            </a:fillRef>
+            <a:effectRef idx="0">
+              <a:schemeClr val="accent1"/>
+            </a:effectRef>
+            <a:fontRef idx="minor">
+              <a:schemeClr val="lt1"/>
+            </a:fontRef>
+          </p:style>
+          <p:txBody>
+            <a:bodyPr rtlCol="0" anchor="ctr"/>
+            <a:lstStyle/>
+            <a:p>
+              <a:pPr algn="ctr"/>
+              <a:r>
+                <a:rPr kumimoji="1" lang="en-US" altLang="ja-JP" sz="4000" b="1" i="1" dirty="0">
+                  <a:latin typeface="Times New Roman" panose="02020603050405020304" pitchFamily="18" charset="0"/>
+                  <a:cs typeface="Times New Roman" panose="02020603050405020304" pitchFamily="18" charset="0"/>
+                </a:rPr>
+                <a:t>Roll</a:t>
+              </a:r>
+              <a:endParaRPr kumimoji="1" lang="ja-JP" altLang="en-US" sz="4000" b="1" i="1" dirty="0">
+                <a:latin typeface="Times New Roman" panose="02020603050405020304" pitchFamily="18" charset="0"/>
+                <a:cs typeface="Times New Roman" panose="02020603050405020304" pitchFamily="18" charset="0"/>
+              </a:endParaRPr>
+            </a:p>
+          </p:txBody>
+        </p:sp>
+        <p:sp>
+          <p:nvSpPr>
+            <p:cNvPr id="13" name="フローチャート: 端子 12">
+              <a:extLst>
+                <a:ext uri="{FF2B5EF4-FFF2-40B4-BE49-F238E27FC236}">
+                  <a16:creationId xmlns:a16="http://schemas.microsoft.com/office/drawing/2014/main" id="{F7F2D8A6-83E6-485C-8521-50B70E189220}"/>
+                </a:ext>
+              </a:extLst>
+            </p:cNvPr>
+            <p:cNvSpPr/>
+            <p:nvPr/>
+          </p:nvSpPr>
+          <p:spPr>
+            <a:xfrm>
+              <a:off x="8300350" y="4437798"/>
+              <a:ext cx="1329426" cy="374197"/>
+            </a:xfrm>
+            <a:prstGeom prst="flowChartTerminator">
+              <a:avLst/>
+            </a:prstGeom>
+            <a:solidFill>
+              <a:schemeClr val="tx1">
+                <a:lumMod val="85000"/>
+                <a:lumOff val="15000"/>
+              </a:schemeClr>
+            </a:solidFill>
+            <a:ln w="28575">
+              <a:solidFill>
+                <a:schemeClr val="accent2">
+                  <a:lumMod val="50000"/>
+                </a:schemeClr>
+              </a:solidFill>
+            </a:ln>
+          </p:spPr>
+          <p:style>
+            <a:lnRef idx="2">
+              <a:schemeClr val="accent1">
+                <a:shade val="50000"/>
+              </a:schemeClr>
+            </a:lnRef>
+            <a:fillRef idx="1">
+              <a:schemeClr val="accent1"/>
+            </a:fillRef>
+            <a:effectRef idx="0">
+              <a:schemeClr val="accent1"/>
+            </a:effectRef>
+            <a:fontRef idx="minor">
+              <a:schemeClr val="lt1"/>
+            </a:fontRef>
+          </p:style>
+          <p:txBody>
+            <a:bodyPr rtlCol="0" anchor="ctr"/>
+            <a:lstStyle/>
+            <a:p>
+              <a:pPr algn="ctr"/>
+              <a:endParaRPr kumimoji="1" lang="ja-JP" altLang="en-US"/>
+            </a:p>
+          </p:txBody>
+        </p:sp>
+      </p:grpSp>
     </p:spTree>
     <p:extLst>
       <p:ext uri="{BB962C8B-B14F-4D97-AF65-F5344CB8AC3E}">

--- a/app/static/images0/ytbg.pptx
+++ b/app/static/images0/ytbg.pptx
@@ -6,6 +6,7 @@
   </p:sldMasterIdLst>
   <p:sldIdLst>
     <p:sldId id="256" r:id="rId2"/>
+    <p:sldId id="257" r:id="rId3"/>
   </p:sldIdLst>
   <p:sldSz cx="12192000" cy="6858000"/>
   <p:notesSz cx="6858000" cy="9144000"/>
@@ -3616,10 +3617,10 @@
       </p:grpSpPr>
       <p:sp>
         <p:nvSpPr>
-          <p:cNvPr id="4" name="吹き出し: 角を丸めた四角形 3">
-            <a:extLst>
-              <a:ext uri="{FF2B5EF4-FFF2-40B4-BE49-F238E27FC236}">
-                <a16:creationId xmlns:a16="http://schemas.microsoft.com/office/drawing/2014/main" id="{C958410A-86D8-4EE8-9B18-FB5A55FDC2C7}"/>
+          <p:cNvPr id="18" name="四角形: 角を丸くする 17">
+            <a:extLst>
+              <a:ext uri="{FF2B5EF4-FFF2-40B4-BE49-F238E27FC236}">
+                <a16:creationId xmlns:a16="http://schemas.microsoft.com/office/drawing/2014/main" id="{4F30B285-6845-4670-A83D-BE1A58D92D22}"/>
               </a:ext>
             </a:extLst>
           </p:cNvPr>
@@ -3628,7 +3629,68 @@
         </p:nvSpPr>
         <p:spPr>
           <a:xfrm>
-            <a:off x="3453878" y="1729813"/>
+            <a:off x="6095999" y="4162017"/>
+            <a:ext cx="1134460" cy="1134460"/>
+          </a:xfrm>
+          <a:prstGeom prst="roundRect">
+            <a:avLst/>
+          </a:prstGeom>
+          <a:solidFill>
+            <a:schemeClr val="bg1">
+              <a:lumMod val="65000"/>
+            </a:schemeClr>
+          </a:solidFill>
+          <a:ln>
+            <a:noFill/>
+          </a:ln>
+          <a:scene3d>
+            <a:camera prst="orthographicFront"/>
+            <a:lightRig rig="threePt" dir="t"/>
+          </a:scene3d>
+          <a:sp3d>
+            <a:bevelT w="127000" h="63500"/>
+          </a:sp3d>
+        </p:spPr>
+        <p:style>
+          <a:lnRef idx="2">
+            <a:schemeClr val="accent1">
+              <a:shade val="50000"/>
+            </a:schemeClr>
+          </a:lnRef>
+          <a:fillRef idx="1">
+            <a:schemeClr val="accent1"/>
+          </a:fillRef>
+          <a:effectRef idx="0">
+            <a:schemeClr val="accent1"/>
+          </a:effectRef>
+          <a:fontRef idx="minor">
+            <a:schemeClr val="lt1"/>
+          </a:fontRef>
+        </p:style>
+        <p:txBody>
+          <a:bodyPr rtlCol="0" anchor="ctr"/>
+          <a:lstStyle/>
+          <a:p>
+            <a:pPr algn="ctr"/>
+            <a:endParaRPr kumimoji="1" lang="ja-JP" altLang="en-US"/>
+          </a:p>
+        </p:txBody>
+      </p:sp>
+      <p:sp>
+        <p:nvSpPr>
+          <p:cNvPr id="4" name="吹き出し: 角を丸めた四角形 3">
+            <a:extLst>
+              <a:ext uri="{FF2B5EF4-FFF2-40B4-BE49-F238E27FC236}">
+                <a16:creationId xmlns:a16="http://schemas.microsoft.com/office/drawing/2014/main" id="{C958410A-86D8-4EE8-9B18-FB5A55FDC2C7}"/>
+              </a:ext>
+            </a:extLst>
+          </p:cNvPr>
+          <p:cNvSpPr/>
+          <p:nvPr/>
+        </p:nvSpPr>
+        <p:spPr>
+          <a:xfrm>
+            <a:off x="2757192" y="1704027"/>
             <a:ext cx="2204350" cy="869950"/>
           </a:xfrm>
           <a:prstGeom prst="wedgeRoundRectCallout">
@@ -3705,7 +3767,7 @@
         </p:nvSpPr>
         <p:spPr>
           <a:xfrm>
-            <a:off x="3453878" y="404301"/>
+            <a:off x="2757192" y="378515"/>
             <a:ext cx="2204350" cy="869950"/>
           </a:xfrm>
           <a:prstGeom prst="roundRect">
@@ -3770,213 +3832,21 @@
           </a:p>
         </p:txBody>
       </p:sp>
-      <p:pic>
-        <p:nvPicPr>
-          <p:cNvPr id="9" name="図 8" descr="挿絵 が含まれている画像&#10;&#10;自動的に生成された説明">
-            <a:extLst>
-              <a:ext uri="{FF2B5EF4-FFF2-40B4-BE49-F238E27FC236}">
-                <a16:creationId xmlns:a16="http://schemas.microsoft.com/office/drawing/2014/main" id="{1547F6FE-F4BF-4B7A-9ECF-E7B368486B6B}"/>
-              </a:ext>
-            </a:extLst>
-          </p:cNvPr>
-          <p:cNvPicPr>
-            <a:picLocks noChangeAspect="1"/>
-          </p:cNvPicPr>
+      <p:sp>
+        <p:nvSpPr>
+          <p:cNvPr id="10" name="吹き出し: 角を丸めた四角形 9">
+            <a:extLst>
+              <a:ext uri="{FF2B5EF4-FFF2-40B4-BE49-F238E27FC236}">
+                <a16:creationId xmlns:a16="http://schemas.microsoft.com/office/drawing/2014/main" id="{9A1FCE91-42A6-42BD-B929-7A7FF6651390}"/>
+              </a:ext>
+            </a:extLst>
+          </p:cNvPr>
+          <p:cNvSpPr/>
           <p:nvPr/>
-        </p:nvPicPr>
-        <p:blipFill>
-          <a:blip r:embed="rId2">
-            <a:extLst>
-              <a:ext uri="{28A0092B-C50C-407E-A947-70E740481C1C}">
-                <a14:useLocalDpi xmlns:a14="http://schemas.microsoft.com/office/drawing/2010/main" val="0"/>
-              </a:ext>
-            </a:extLst>
-          </a:blip>
-          <a:stretch>
-            <a:fillRect/>
-          </a:stretch>
-        </p:blipFill>
+        </p:nvSpPr>
         <p:spPr>
           <a:xfrm>
-            <a:off x="608617" y="404301"/>
-            <a:ext cx="2204350" cy="872049"/>
-          </a:xfrm>
-          <a:prstGeom prst="rect">
-            <a:avLst/>
-          </a:prstGeom>
-        </p:spPr>
-      </p:pic>
-      <p:sp>
-        <p:nvSpPr>
-          <p:cNvPr id="5" name="四角形: 角を丸くする 4">
-            <a:extLst>
-              <a:ext uri="{FF2B5EF4-FFF2-40B4-BE49-F238E27FC236}">
-                <a16:creationId xmlns:a16="http://schemas.microsoft.com/office/drawing/2014/main" id="{E8EA05AB-063C-42E0-AD51-BF7F819A87DB}"/>
-              </a:ext>
-            </a:extLst>
-          </p:cNvPr>
-          <p:cNvSpPr/>
-          <p:nvPr/>
-        </p:nvSpPr>
-        <p:spPr>
-          <a:xfrm rot="10800000">
-            <a:off x="6096000" y="404301"/>
-            <a:ext cx="2204350" cy="869950"/>
-          </a:xfrm>
-          <a:prstGeom prst="roundRect">
-            <a:avLst>
-              <a:gd name="adj" fmla="val 50000"/>
-            </a:avLst>
-          </a:prstGeom>
-          <a:solidFill>
-            <a:schemeClr val="tx1">
-              <a:lumMod val="65000"/>
-              <a:lumOff val="35000"/>
-            </a:schemeClr>
-          </a:solidFill>
-          <a:ln>
-            <a:noFill/>
-          </a:ln>
-          <a:effectLst/>
-          <a:scene3d>
-            <a:camera prst="orthographicFront"/>
-            <a:lightRig rig="threePt" dir="t"/>
-          </a:scene3d>
-          <a:sp3d prstMaterial="softEdge">
-            <a:bevelT w="127000" h="127000"/>
-            <a:bevelB w="0" h="0"/>
-            <a:extrusionClr>
-              <a:schemeClr val="accent1"/>
-            </a:extrusionClr>
-            <a:contourClr>
-              <a:schemeClr val="accent1"/>
-            </a:contourClr>
-          </a:sp3d>
-        </p:spPr>
-        <p:style>
-          <a:lnRef idx="2">
-            <a:schemeClr val="accent1">
-              <a:shade val="50000"/>
-            </a:schemeClr>
-          </a:lnRef>
-          <a:fillRef idx="1">
-            <a:schemeClr val="accent1"/>
-          </a:fillRef>
-          <a:effectRef idx="0">
-            <a:schemeClr val="accent1"/>
-          </a:effectRef>
-          <a:fontRef idx="minor">
-            <a:schemeClr val="lt1"/>
-          </a:fontRef>
-        </p:style>
-        <p:txBody>
-          <a:bodyPr rtlCol="0" anchor="ctr"/>
-          <a:lstStyle/>
-          <a:p>
-            <a:pPr algn="ctr"/>
-            <a:r>
-              <a:rPr lang="en-US" altLang="ja-JP" sz="6000" i="1" dirty="0">
-                <a:latin typeface="Times New Roman" panose="02020603050405020304" pitchFamily="18" charset="0"/>
-                <a:cs typeface="Times New Roman" panose="02020603050405020304" pitchFamily="18" charset="0"/>
-              </a:rPr>
-              <a:t>Roll </a:t>
-            </a:r>
-            <a:endParaRPr kumimoji="1" lang="ja-JP" altLang="en-US" sz="6000" dirty="0"/>
-          </a:p>
-        </p:txBody>
-      </p:sp>
-      <p:sp>
-        <p:nvSpPr>
-          <p:cNvPr id="6" name="吹き出し: 角を丸めた四角形 5">
-            <a:extLst>
-              <a:ext uri="{FF2B5EF4-FFF2-40B4-BE49-F238E27FC236}">
-                <a16:creationId xmlns:a16="http://schemas.microsoft.com/office/drawing/2014/main" id="{ED2F0F0C-E3E1-478D-8FA4-A92C74FC896C}"/>
-              </a:ext>
-            </a:extLst>
-          </p:cNvPr>
-          <p:cNvSpPr/>
-          <p:nvPr/>
-        </p:nvSpPr>
-        <p:spPr>
-          <a:xfrm rot="10800000">
-            <a:off x="6096000" y="1729813"/>
-            <a:ext cx="2204350" cy="869950"/>
-          </a:xfrm>
-          <a:prstGeom prst="wedgeRoundRectCallout">
-            <a:avLst>
-              <a:gd name="adj1" fmla="val 3849"/>
-              <a:gd name="adj2" fmla="val 75993"/>
-              <a:gd name="adj3" fmla="val 16667"/>
-            </a:avLst>
-          </a:prstGeom>
-          <a:solidFill>
-            <a:schemeClr val="tx1">
-              <a:lumMod val="65000"/>
-              <a:lumOff val="35000"/>
-            </a:schemeClr>
-          </a:solidFill>
-          <a:ln>
-            <a:noFill/>
-          </a:ln>
-          <a:effectLst/>
-          <a:scene3d>
-            <a:camera prst="orthographicFront"/>
-            <a:lightRig rig="threePt" dir="t"/>
-          </a:scene3d>
-          <a:sp3d>
-            <a:bevelT w="63500" h="63500"/>
-          </a:sp3d>
-        </p:spPr>
-        <p:style>
-          <a:lnRef idx="2">
-            <a:schemeClr val="accent1">
-              <a:shade val="50000"/>
-            </a:schemeClr>
-          </a:lnRef>
-          <a:fillRef idx="1">
-            <a:schemeClr val="accent1"/>
-          </a:fillRef>
-          <a:effectRef idx="0">
-            <a:schemeClr val="accent1"/>
-          </a:effectRef>
-          <a:fontRef idx="minor">
-            <a:schemeClr val="lt1"/>
-          </a:fontRef>
-        </p:style>
-        <p:txBody>
-          <a:bodyPr rtlCol="0" anchor="ctr"/>
-          <a:lstStyle/>
-          <a:p>
-            <a:pPr algn="ctr"/>
-            <a:r>
-              <a:rPr kumimoji="1" lang="en-US" altLang="ja-JP" sz="5400" i="1" dirty="0">
-                <a:latin typeface="Times New Roman" panose="02020603050405020304" pitchFamily="18" charset="0"/>
-                <a:cs typeface="Times New Roman" panose="02020603050405020304" pitchFamily="18" charset="0"/>
-              </a:rPr>
-              <a:t>Pass</a:t>
-            </a:r>
-            <a:endParaRPr kumimoji="1" lang="ja-JP" altLang="en-US" sz="5400" i="1" dirty="0">
-              <a:latin typeface="Times New Roman" panose="02020603050405020304" pitchFamily="18" charset="0"/>
-              <a:cs typeface="Times New Roman" panose="02020603050405020304" pitchFamily="18" charset="0"/>
-            </a:endParaRPr>
-          </a:p>
-        </p:txBody>
-      </p:sp>
-      <p:sp>
-        <p:nvSpPr>
-          <p:cNvPr id="10" name="吹き出し: 角を丸めた四角形 9">
-            <a:extLst>
-              <a:ext uri="{FF2B5EF4-FFF2-40B4-BE49-F238E27FC236}">
-                <a16:creationId xmlns:a16="http://schemas.microsoft.com/office/drawing/2014/main" id="{9A1FCE91-42A6-42BD-B929-7A7FF6651390}"/>
-              </a:ext>
-            </a:extLst>
-          </p:cNvPr>
-          <p:cNvSpPr/>
-          <p:nvPr/>
-        </p:nvSpPr>
-        <p:spPr>
-          <a:xfrm>
-            <a:off x="3453878" y="3055325"/>
+            <a:off x="2757192" y="3029539"/>
             <a:ext cx="2204350" cy="869950"/>
           </a:xfrm>
           <a:prstGeom prst="wedgeRoundRectCallout">
@@ -4040,10 +3910,10 @@
       </p:sp>
       <p:sp>
         <p:nvSpPr>
-          <p:cNvPr id="11" name="吹き出し: 角を丸めた四角形 10">
-            <a:extLst>
-              <a:ext uri="{FF2B5EF4-FFF2-40B4-BE49-F238E27FC236}">
-                <a16:creationId xmlns:a16="http://schemas.microsoft.com/office/drawing/2014/main" id="{755727E4-15A9-4C3C-A125-EE4C24637D90}"/>
+          <p:cNvPr id="2" name="正方形/長方形 1">
+            <a:extLst>
+              <a:ext uri="{FF2B5EF4-FFF2-40B4-BE49-F238E27FC236}">
+                <a16:creationId xmlns:a16="http://schemas.microsoft.com/office/drawing/2014/main" id="{AF4C8FC1-6033-4EF7-B995-F97185A9C3FF}"/>
               </a:ext>
             </a:extLst>
           </p:cNvPr>
@@ -4051,91 +3921,15 @@
           <p:nvPr/>
         </p:nvSpPr>
         <p:spPr>
-          <a:xfrm rot="10800000">
-            <a:off x="6096000" y="3055325"/>
-            <a:ext cx="2204350" cy="869950"/>
-          </a:xfrm>
-          <a:prstGeom prst="wedgeRoundRectCallout">
-            <a:avLst>
-              <a:gd name="adj1" fmla="val 3849"/>
-              <a:gd name="adj2" fmla="val 75993"/>
-              <a:gd name="adj3" fmla="val 16667"/>
-            </a:avLst>
-          </a:prstGeom>
-          <a:solidFill>
-            <a:schemeClr val="accent1">
-              <a:lumMod val="50000"/>
-            </a:schemeClr>
-          </a:solidFill>
-          <a:ln>
-            <a:noFill/>
-          </a:ln>
-          <a:effectLst/>
-          <a:scene3d>
-            <a:camera prst="orthographicFront"/>
-            <a:lightRig rig="threePt" dir="t"/>
-          </a:scene3d>
-          <a:sp3d>
-            <a:bevelT w="63500" h="63500"/>
-          </a:sp3d>
-        </p:spPr>
-        <p:style>
-          <a:lnRef idx="2">
-            <a:schemeClr val="accent1">
-              <a:shade val="50000"/>
-            </a:schemeClr>
-          </a:lnRef>
-          <a:fillRef idx="1">
-            <a:schemeClr val="accent1"/>
-          </a:fillRef>
-          <a:effectRef idx="0">
-            <a:schemeClr val="accent1"/>
-          </a:effectRef>
-          <a:fontRef idx="minor">
-            <a:schemeClr val="lt1"/>
-          </a:fontRef>
-        </p:style>
-        <p:txBody>
-          <a:bodyPr rtlCol="0" anchor="ctr"/>
-          <a:lstStyle/>
-          <a:p>
-            <a:pPr algn="ctr"/>
-            <a:r>
-              <a:rPr kumimoji="1" lang="en-US" altLang="ja-JP" sz="5400" i="1" dirty="0">
-                <a:latin typeface="Times New Roman" panose="02020603050405020304" pitchFamily="18" charset="0"/>
-                <a:cs typeface="Times New Roman" panose="02020603050405020304" pitchFamily="18" charset="0"/>
-              </a:rPr>
-              <a:t>Win!</a:t>
-            </a:r>
-            <a:endParaRPr kumimoji="1" lang="ja-JP" altLang="en-US" sz="5400" i="1" dirty="0">
-              <a:latin typeface="Times New Roman" panose="02020603050405020304" pitchFamily="18" charset="0"/>
-              <a:cs typeface="Times New Roman" panose="02020603050405020304" pitchFamily="18" charset="0"/>
-            </a:endParaRPr>
-          </a:p>
-        </p:txBody>
-      </p:sp>
-      <p:sp>
-        <p:nvSpPr>
-          <p:cNvPr id="2" name="正方形/長方形 1">
-            <a:extLst>
-              <a:ext uri="{FF2B5EF4-FFF2-40B4-BE49-F238E27FC236}">
-                <a16:creationId xmlns:a16="http://schemas.microsoft.com/office/drawing/2014/main" id="{AF4C8FC1-6033-4EF7-B995-F97185A9C3FF}"/>
-              </a:ext>
-            </a:extLst>
-          </p:cNvPr>
-          <p:cNvSpPr/>
-          <p:nvPr/>
-        </p:nvSpPr>
-        <p:spPr>
           <a:xfrm>
-            <a:off x="1021278" y="3276601"/>
+            <a:off x="466107" y="378515"/>
             <a:ext cx="1595747" cy="1535394"/>
           </a:xfrm>
           <a:prstGeom prst="rect">
             <a:avLst/>
           </a:prstGeom>
           <a:blipFill>
-            <a:blip r:embed="rId3"/>
+            <a:blip r:embed="rId2"/>
             <a:tile tx="0" ty="0" sx="100000" sy="100000" flip="none" algn="tl"/>
           </a:blipFill>
           <a:ln>
@@ -4167,112 +3961,6 @@
           </a:p>
         </p:txBody>
       </p:sp>
-      <p:sp>
-        <p:nvSpPr>
-          <p:cNvPr id="14" name="正方形/長方形 13">
-            <a:extLst>
-              <a:ext uri="{FF2B5EF4-FFF2-40B4-BE49-F238E27FC236}">
-                <a16:creationId xmlns:a16="http://schemas.microsoft.com/office/drawing/2014/main" id="{FF3B2B3E-204C-427A-8C9E-9EEF385D1EC7}"/>
-              </a:ext>
-            </a:extLst>
-          </p:cNvPr>
-          <p:cNvSpPr/>
-          <p:nvPr/>
-        </p:nvSpPr>
-        <p:spPr>
-          <a:xfrm>
-            <a:off x="1467592" y="5095023"/>
-            <a:ext cx="1595747" cy="1535394"/>
-          </a:xfrm>
-          <a:prstGeom prst="rect">
-            <a:avLst/>
-          </a:prstGeom>
-          <a:blipFill>
-            <a:blip r:embed="rId3"/>
-            <a:tile tx="0" ty="0" sx="100000" sy="100000" flip="none" algn="tl"/>
-          </a:blipFill>
-          <a:ln>
-            <a:noFill/>
-          </a:ln>
-        </p:spPr>
-        <p:style>
-          <a:lnRef idx="2">
-            <a:schemeClr val="accent1">
-              <a:shade val="50000"/>
-            </a:schemeClr>
-          </a:lnRef>
-          <a:fillRef idx="1">
-            <a:schemeClr val="accent1"/>
-          </a:fillRef>
-          <a:effectRef idx="0">
-            <a:schemeClr val="accent1"/>
-          </a:effectRef>
-          <a:fontRef idx="minor">
-            <a:schemeClr val="lt1"/>
-          </a:fontRef>
-        </p:style>
-        <p:txBody>
-          <a:bodyPr rtlCol="0" anchor="ctr"/>
-          <a:lstStyle/>
-          <a:p>
-            <a:pPr algn="ctr"/>
-            <a:endParaRPr kumimoji="1" lang="ja-JP" altLang="en-US"/>
-          </a:p>
-        </p:txBody>
-      </p:sp>
-      <p:sp>
-        <p:nvSpPr>
-          <p:cNvPr id="15" name="正方形/長方形 14">
-            <a:extLst>
-              <a:ext uri="{FF2B5EF4-FFF2-40B4-BE49-F238E27FC236}">
-                <a16:creationId xmlns:a16="http://schemas.microsoft.com/office/drawing/2014/main" id="{6EC762F5-D4BF-47F4-9E88-88CE3BF1F244}"/>
-              </a:ext>
-            </a:extLst>
-          </p:cNvPr>
-          <p:cNvSpPr/>
-          <p:nvPr/>
-        </p:nvSpPr>
-        <p:spPr>
-          <a:xfrm>
-            <a:off x="3063339" y="5095023"/>
-            <a:ext cx="1595747" cy="1535394"/>
-          </a:xfrm>
-          <a:prstGeom prst="rect">
-            <a:avLst/>
-          </a:prstGeom>
-          <a:blipFill>
-            <a:blip r:embed="rId3"/>
-            <a:tile tx="0" ty="0" sx="100000" sy="100000" flip="none" algn="tl"/>
-          </a:blipFill>
-          <a:ln>
-            <a:noFill/>
-          </a:ln>
-        </p:spPr>
-        <p:style>
-          <a:lnRef idx="2">
-            <a:schemeClr val="accent1">
-              <a:shade val="50000"/>
-            </a:schemeClr>
-          </a:lnRef>
-          <a:fillRef idx="1">
-            <a:schemeClr val="accent1"/>
-          </a:fillRef>
-          <a:effectRef idx="0">
-            <a:schemeClr val="accent1"/>
-          </a:effectRef>
-          <a:fontRef idx="minor">
-            <a:schemeClr val="lt1"/>
-          </a:fontRef>
-        </p:style>
-        <p:txBody>
-          <a:bodyPr rtlCol="0" anchor="ctr"/>
-          <a:lstStyle/>
-          <a:p>
-            <a:pPr algn="ctr"/>
-            <a:endParaRPr kumimoji="1" lang="ja-JP" altLang="en-US"/>
-          </a:p>
-        </p:txBody>
-      </p:sp>
       <p:grpSp>
         <p:nvGrpSpPr>
           <p:cNvPr id="17" name="グループ化 16">
@@ -4287,7 +3975,7 @@
         </p:nvGrpSpPr>
         <p:grpSpPr>
           <a:xfrm>
-            <a:off x="6095999" y="4548270"/>
+            <a:off x="2757192" y="4355051"/>
             <a:ext cx="1329426" cy="1314450"/>
             <a:chOff x="8300350" y="4437798"/>
             <a:chExt cx="1329426" cy="1314450"/>
@@ -4316,7 +4004,7 @@
               </a:avLst>
             </a:prstGeom>
             <a:blipFill>
-              <a:blip r:embed="rId4"/>
+              <a:blip r:embed="rId3"/>
               <a:tile tx="0" ty="0" sx="100000" sy="100000" flip="none" algn="tl"/>
             </a:blipFill>
             <a:ln w="38100">
@@ -4422,10 +4110,753 @@
           </p:txBody>
         </p:sp>
       </p:grpSp>
+      <p:sp>
+        <p:nvSpPr>
+          <p:cNvPr id="3" name="矢印: U ターン 2">
+            <a:extLst>
+              <a:ext uri="{FF2B5EF4-FFF2-40B4-BE49-F238E27FC236}">
+                <a16:creationId xmlns:a16="http://schemas.microsoft.com/office/drawing/2014/main" id="{997F68A7-AF03-4C3F-9EAA-C9B9FEBA90B4}"/>
+              </a:ext>
+            </a:extLst>
+          </p:cNvPr>
+          <p:cNvSpPr/>
+          <p:nvPr/>
+        </p:nvSpPr>
+        <p:spPr>
+          <a:xfrm rot="16200000" flipV="1">
+            <a:off x="6271343" y="4348979"/>
+            <a:ext cx="802821" cy="745841"/>
+          </a:xfrm>
+          <a:prstGeom prst="uturnArrow">
+            <a:avLst>
+              <a:gd name="adj1" fmla="val 28056"/>
+              <a:gd name="adj2" fmla="val 25000"/>
+              <a:gd name="adj3" fmla="val 35093"/>
+              <a:gd name="adj4" fmla="val 53593"/>
+              <a:gd name="adj5" fmla="val 100000"/>
+            </a:avLst>
+          </a:prstGeom>
+          <a:solidFill>
+            <a:schemeClr val="bg1">
+              <a:lumMod val="85000"/>
+            </a:schemeClr>
+          </a:solidFill>
+          <a:ln>
+            <a:noFill/>
+          </a:ln>
+          <a:scene3d>
+            <a:camera prst="orthographicFront"/>
+            <a:lightRig rig="balanced" dir="t">
+              <a:rot lat="0" lon="0" rev="10800000"/>
+            </a:lightRig>
+          </a:scene3d>
+          <a:sp3d prstMaterial="metal">
+            <a:bevelT w="31750" h="12700"/>
+            <a:bevelB w="0" h="0"/>
+          </a:sp3d>
+        </p:spPr>
+        <p:style>
+          <a:lnRef idx="2">
+            <a:schemeClr val="accent1">
+              <a:shade val="50000"/>
+            </a:schemeClr>
+          </a:lnRef>
+          <a:fillRef idx="1">
+            <a:schemeClr val="accent1"/>
+          </a:fillRef>
+          <a:effectRef idx="0">
+            <a:schemeClr val="accent1"/>
+          </a:effectRef>
+          <a:fontRef idx="minor">
+            <a:schemeClr val="lt1"/>
+          </a:fontRef>
+        </p:style>
+        <p:txBody>
+          <a:bodyPr rtlCol="0" anchor="ctr"/>
+          <a:lstStyle/>
+          <a:p>
+            <a:pPr algn="ctr"/>
+            <a:endParaRPr kumimoji="1" lang="ja-JP" altLang="en-US">
+              <a:solidFill>
+                <a:schemeClr val="tx1"/>
+              </a:solidFill>
+            </a:endParaRPr>
+          </a:p>
+        </p:txBody>
+      </p:sp>
+      <p:sp>
+        <p:nvSpPr>
+          <p:cNvPr id="19" name="四角形: 角を丸くする 18">
+            <a:extLst>
+              <a:ext uri="{FF2B5EF4-FFF2-40B4-BE49-F238E27FC236}">
+                <a16:creationId xmlns:a16="http://schemas.microsoft.com/office/drawing/2014/main" id="{88BD3273-7D84-4836-8C1D-F6FD8C85E453}"/>
+              </a:ext>
+            </a:extLst>
+          </p:cNvPr>
+          <p:cNvSpPr/>
+          <p:nvPr/>
+        </p:nvSpPr>
+        <p:spPr>
+          <a:xfrm>
+            <a:off x="6095999" y="2765029"/>
+            <a:ext cx="1134460" cy="1134460"/>
+          </a:xfrm>
+          <a:prstGeom prst="roundRect">
+            <a:avLst/>
+          </a:prstGeom>
+          <a:solidFill>
+            <a:schemeClr val="bg1">
+              <a:lumMod val="65000"/>
+            </a:schemeClr>
+          </a:solidFill>
+          <a:ln>
+            <a:noFill/>
+          </a:ln>
+          <a:scene3d>
+            <a:camera prst="orthographicFront"/>
+            <a:lightRig rig="threePt" dir="t"/>
+          </a:scene3d>
+          <a:sp3d>
+            <a:bevelT w="127000" h="63500"/>
+          </a:sp3d>
+        </p:spPr>
+        <p:style>
+          <a:lnRef idx="2">
+            <a:schemeClr val="accent1">
+              <a:shade val="50000"/>
+            </a:schemeClr>
+          </a:lnRef>
+          <a:fillRef idx="1">
+            <a:schemeClr val="accent1"/>
+          </a:fillRef>
+          <a:effectRef idx="0">
+            <a:schemeClr val="accent1"/>
+          </a:effectRef>
+          <a:fontRef idx="minor">
+            <a:schemeClr val="lt1"/>
+          </a:fontRef>
+        </p:style>
+        <p:txBody>
+          <a:bodyPr rtlCol="0" anchor="ctr"/>
+          <a:lstStyle/>
+          <a:p>
+            <a:pPr algn="ctr"/>
+            <a:endParaRPr kumimoji="1" lang="ja-JP" altLang="en-US"/>
+          </a:p>
+        </p:txBody>
+      </p:sp>
+      <p:sp>
+        <p:nvSpPr>
+          <p:cNvPr id="8" name="矢印: 折線 7">
+            <a:extLst>
+              <a:ext uri="{FF2B5EF4-FFF2-40B4-BE49-F238E27FC236}">
+                <a16:creationId xmlns:a16="http://schemas.microsoft.com/office/drawing/2014/main" id="{F3755403-226D-4593-B840-42EFAA454FD3}"/>
+              </a:ext>
+            </a:extLst>
+          </p:cNvPr>
+          <p:cNvSpPr/>
+          <p:nvPr/>
+        </p:nvSpPr>
+        <p:spPr>
+          <a:xfrm>
+            <a:off x="6324870" y="3012938"/>
+            <a:ext cx="745841" cy="605991"/>
+          </a:xfrm>
+          <a:prstGeom prst="bentArrow">
+            <a:avLst>
+              <a:gd name="adj1" fmla="val 34484"/>
+              <a:gd name="adj2" fmla="val 31767"/>
+              <a:gd name="adj3" fmla="val 50000"/>
+              <a:gd name="adj4" fmla="val 43750"/>
+            </a:avLst>
+          </a:prstGeom>
+          <a:solidFill>
+            <a:schemeClr val="bg1">
+              <a:lumMod val="85000"/>
+            </a:schemeClr>
+          </a:solidFill>
+          <a:ln>
+            <a:noFill/>
+          </a:ln>
+          <a:scene3d>
+            <a:camera prst="orthographicFront"/>
+            <a:lightRig rig="threePt" dir="t">
+              <a:rot lat="0" lon="0" rev="0"/>
+            </a:lightRig>
+          </a:scene3d>
+          <a:sp3d prstMaterial="metal">
+            <a:bevelT w="31750" h="12700"/>
+          </a:sp3d>
+        </p:spPr>
+        <p:style>
+          <a:lnRef idx="2">
+            <a:schemeClr val="accent1">
+              <a:shade val="50000"/>
+            </a:schemeClr>
+          </a:lnRef>
+          <a:fillRef idx="1">
+            <a:schemeClr val="accent1"/>
+          </a:fillRef>
+          <a:effectRef idx="0">
+            <a:schemeClr val="accent1"/>
+          </a:effectRef>
+          <a:fontRef idx="minor">
+            <a:schemeClr val="lt1"/>
+          </a:fontRef>
+        </p:style>
+        <p:txBody>
+          <a:bodyPr rtlCol="0" anchor="ctr"/>
+          <a:lstStyle/>
+          <a:p>
+            <a:pPr algn="ctr"/>
+            <a:endParaRPr kumimoji="1" lang="ja-JP" altLang="en-US">
+              <a:solidFill>
+                <a:schemeClr val="tx1"/>
+              </a:solidFill>
+            </a:endParaRPr>
+          </a:p>
+        </p:txBody>
+      </p:sp>
+      <p:sp>
+        <p:nvSpPr>
+          <p:cNvPr id="22" name="四角形: 角を丸くする 21">
+            <a:extLst>
+              <a:ext uri="{FF2B5EF4-FFF2-40B4-BE49-F238E27FC236}">
+                <a16:creationId xmlns:a16="http://schemas.microsoft.com/office/drawing/2014/main" id="{EC7CD1D5-F9A8-439A-A429-146DDBBF1442}"/>
+              </a:ext>
+            </a:extLst>
+          </p:cNvPr>
+          <p:cNvSpPr/>
+          <p:nvPr/>
+        </p:nvSpPr>
+        <p:spPr>
+          <a:xfrm>
+            <a:off x="6105523" y="1196731"/>
+            <a:ext cx="1134460" cy="1134460"/>
+          </a:xfrm>
+          <a:prstGeom prst="roundRect">
+            <a:avLst/>
+          </a:prstGeom>
+          <a:solidFill>
+            <a:schemeClr val="bg1">
+              <a:lumMod val="65000"/>
+            </a:schemeClr>
+          </a:solidFill>
+          <a:ln>
+            <a:noFill/>
+          </a:ln>
+          <a:scene3d>
+            <a:camera prst="orthographicFront"/>
+            <a:lightRig rig="threePt" dir="t"/>
+          </a:scene3d>
+          <a:sp3d>
+            <a:bevelT w="127000" h="63500"/>
+          </a:sp3d>
+        </p:spPr>
+        <p:style>
+          <a:lnRef idx="2">
+            <a:schemeClr val="accent1">
+              <a:shade val="50000"/>
+            </a:schemeClr>
+          </a:lnRef>
+          <a:fillRef idx="1">
+            <a:schemeClr val="accent1"/>
+          </a:fillRef>
+          <a:effectRef idx="0">
+            <a:schemeClr val="accent1"/>
+          </a:effectRef>
+          <a:fontRef idx="minor">
+            <a:schemeClr val="lt1"/>
+          </a:fontRef>
+        </p:style>
+        <p:txBody>
+          <a:bodyPr rtlCol="0" anchor="ctr"/>
+          <a:lstStyle/>
+          <a:p>
+            <a:pPr algn="ctr"/>
+            <a:endParaRPr kumimoji="1" lang="ja-JP" altLang="en-US"/>
+          </a:p>
+        </p:txBody>
+      </p:sp>
+      <p:sp>
+        <p:nvSpPr>
+          <p:cNvPr id="23" name="矢印: 環状 22">
+            <a:extLst>
+              <a:ext uri="{FF2B5EF4-FFF2-40B4-BE49-F238E27FC236}">
+                <a16:creationId xmlns:a16="http://schemas.microsoft.com/office/drawing/2014/main" id="{B5865496-3FD2-400E-8403-A2560AD7DE41}"/>
+              </a:ext>
+            </a:extLst>
+          </p:cNvPr>
+          <p:cNvSpPr/>
+          <p:nvPr/>
+        </p:nvSpPr>
+        <p:spPr>
+          <a:xfrm rot="3916225">
+            <a:off x="6154066" y="1273515"/>
+            <a:ext cx="989128" cy="980893"/>
+          </a:xfrm>
+          <a:prstGeom prst="circularArrow">
+            <a:avLst>
+              <a:gd name="adj1" fmla="val 15000"/>
+              <a:gd name="adj2" fmla="val 1759373"/>
+              <a:gd name="adj3" fmla="val 15705265"/>
+              <a:gd name="adj4" fmla="val 18688136"/>
+              <a:gd name="adj5" fmla="val 20591"/>
+            </a:avLst>
+          </a:prstGeom>
+          <a:solidFill>
+            <a:schemeClr val="bg1">
+              <a:lumMod val="85000"/>
+            </a:schemeClr>
+          </a:solidFill>
+          <a:ln>
+            <a:noFill/>
+          </a:ln>
+          <a:scene3d>
+            <a:camera prst="orthographicFront"/>
+            <a:lightRig rig="threePt" dir="t"/>
+          </a:scene3d>
+          <a:sp3d>
+            <a:bevelT w="31750" h="19050"/>
+          </a:sp3d>
+        </p:spPr>
+        <p:style>
+          <a:lnRef idx="2">
+            <a:schemeClr val="accent1">
+              <a:shade val="50000"/>
+            </a:schemeClr>
+          </a:lnRef>
+          <a:fillRef idx="1">
+            <a:schemeClr val="accent1"/>
+          </a:fillRef>
+          <a:effectRef idx="0">
+            <a:schemeClr val="accent1"/>
+          </a:effectRef>
+          <a:fontRef idx="minor">
+            <a:schemeClr val="lt1"/>
+          </a:fontRef>
+        </p:style>
+        <p:txBody>
+          <a:bodyPr rtlCol="0" anchor="ctr"/>
+          <a:lstStyle/>
+          <a:p>
+            <a:pPr algn="ctr"/>
+            <a:endParaRPr kumimoji="1" lang="ja-JP" altLang="en-US">
+              <a:solidFill>
+                <a:schemeClr val="tx1"/>
+              </a:solidFill>
+            </a:endParaRPr>
+          </a:p>
+        </p:txBody>
+      </p:sp>
     </p:spTree>
     <p:extLst>
       <p:ext uri="{BB962C8B-B14F-4D97-AF65-F5344CB8AC3E}">
         <p14:creationId xmlns:p14="http://schemas.microsoft.com/office/powerpoint/2010/main" val="978440452"/>
+      </p:ext>
+    </p:extLst>
+  </p:cSld>
+  <p:clrMapOvr>
+    <a:masterClrMapping/>
+  </p:clrMapOvr>
+</p:sld>
+</file>
+
+<file path=ppt/slides/slide2.xml><?xml version="1.0" encoding="utf-8"?>
+<p:sld xmlns:a="http://schemas.openxmlformats.org/drawingml/2006/main" xmlns:r="http://schemas.openxmlformats.org/officeDocument/2006/relationships" xmlns:p="http://schemas.openxmlformats.org/presentationml/2006/main">
+  <p:cSld>
+    <p:spTree>
+      <p:nvGrpSpPr>
+        <p:cNvPr id="1" name=""/>
+        <p:cNvGrpSpPr/>
+        <p:nvPr/>
+      </p:nvGrpSpPr>
+      <p:grpSpPr>
+        <a:xfrm>
+          <a:off x="0" y="0"/>
+          <a:ext cx="0" cy="0"/>
+          <a:chOff x="0" y="0"/>
+          <a:chExt cx="0" cy="0"/>
+        </a:xfrm>
+      </p:grpSpPr>
+      <p:sp>
+        <p:nvSpPr>
+          <p:cNvPr id="4" name="四角形: 角を丸くする 3">
+            <a:extLst>
+              <a:ext uri="{FF2B5EF4-FFF2-40B4-BE49-F238E27FC236}">
+                <a16:creationId xmlns:a16="http://schemas.microsoft.com/office/drawing/2014/main" id="{D9E973A7-9485-4888-A3DC-91610E530534}"/>
+              </a:ext>
+            </a:extLst>
+          </p:cNvPr>
+          <p:cNvSpPr/>
+          <p:nvPr/>
+        </p:nvSpPr>
+        <p:spPr>
+          <a:xfrm rot="10800000">
+            <a:off x="6096000" y="404301"/>
+            <a:ext cx="2204350" cy="869950"/>
+          </a:xfrm>
+          <a:prstGeom prst="roundRect">
+            <a:avLst>
+              <a:gd name="adj" fmla="val 50000"/>
+            </a:avLst>
+          </a:prstGeom>
+          <a:solidFill>
+            <a:schemeClr val="tx1">
+              <a:lumMod val="65000"/>
+              <a:lumOff val="35000"/>
+            </a:schemeClr>
+          </a:solidFill>
+          <a:ln>
+            <a:noFill/>
+          </a:ln>
+          <a:effectLst/>
+          <a:scene3d>
+            <a:camera prst="orthographicFront"/>
+            <a:lightRig rig="threePt" dir="t"/>
+          </a:scene3d>
+          <a:sp3d prstMaterial="softEdge">
+            <a:bevelT w="127000" h="127000"/>
+            <a:bevelB w="0" h="0"/>
+            <a:extrusionClr>
+              <a:schemeClr val="accent1"/>
+            </a:extrusionClr>
+            <a:contourClr>
+              <a:schemeClr val="accent1"/>
+            </a:contourClr>
+          </a:sp3d>
+        </p:spPr>
+        <p:style>
+          <a:lnRef idx="2">
+            <a:schemeClr val="accent1">
+              <a:shade val="50000"/>
+            </a:schemeClr>
+          </a:lnRef>
+          <a:fillRef idx="1">
+            <a:schemeClr val="accent1"/>
+          </a:fillRef>
+          <a:effectRef idx="0">
+            <a:schemeClr val="accent1"/>
+          </a:effectRef>
+          <a:fontRef idx="minor">
+            <a:schemeClr val="lt1"/>
+          </a:fontRef>
+        </p:style>
+        <p:txBody>
+          <a:bodyPr rtlCol="0" anchor="ctr"/>
+          <a:lstStyle/>
+          <a:p>
+            <a:pPr algn="ctr"/>
+            <a:r>
+              <a:rPr lang="en-US" altLang="ja-JP" sz="6000" i="1" dirty="0">
+                <a:latin typeface="Times New Roman" panose="02020603050405020304" pitchFamily="18" charset="0"/>
+                <a:cs typeface="Times New Roman" panose="02020603050405020304" pitchFamily="18" charset="0"/>
+              </a:rPr>
+              <a:t>Roll </a:t>
+            </a:r>
+            <a:endParaRPr kumimoji="1" lang="ja-JP" altLang="en-US" sz="6000" dirty="0"/>
+          </a:p>
+        </p:txBody>
+      </p:sp>
+      <p:sp>
+        <p:nvSpPr>
+          <p:cNvPr id="5" name="吹き出し: 角を丸めた四角形 4">
+            <a:extLst>
+              <a:ext uri="{FF2B5EF4-FFF2-40B4-BE49-F238E27FC236}">
+                <a16:creationId xmlns:a16="http://schemas.microsoft.com/office/drawing/2014/main" id="{7E24AE36-CB53-43F4-B3A1-7A4F1FD322B3}"/>
+              </a:ext>
+            </a:extLst>
+          </p:cNvPr>
+          <p:cNvSpPr/>
+          <p:nvPr/>
+        </p:nvSpPr>
+        <p:spPr>
+          <a:xfrm rot="10800000">
+            <a:off x="6096000" y="1729813"/>
+            <a:ext cx="2204350" cy="869950"/>
+          </a:xfrm>
+          <a:prstGeom prst="wedgeRoundRectCallout">
+            <a:avLst>
+              <a:gd name="adj1" fmla="val 3849"/>
+              <a:gd name="adj2" fmla="val 75993"/>
+              <a:gd name="adj3" fmla="val 16667"/>
+            </a:avLst>
+          </a:prstGeom>
+          <a:solidFill>
+            <a:schemeClr val="tx1">
+              <a:lumMod val="65000"/>
+              <a:lumOff val="35000"/>
+            </a:schemeClr>
+          </a:solidFill>
+          <a:ln>
+            <a:noFill/>
+          </a:ln>
+          <a:effectLst/>
+          <a:scene3d>
+            <a:camera prst="orthographicFront"/>
+            <a:lightRig rig="threePt" dir="t"/>
+          </a:scene3d>
+          <a:sp3d>
+            <a:bevelT w="63500" h="63500"/>
+          </a:sp3d>
+        </p:spPr>
+        <p:style>
+          <a:lnRef idx="2">
+            <a:schemeClr val="accent1">
+              <a:shade val="50000"/>
+            </a:schemeClr>
+          </a:lnRef>
+          <a:fillRef idx="1">
+            <a:schemeClr val="accent1"/>
+          </a:fillRef>
+          <a:effectRef idx="0">
+            <a:schemeClr val="accent1"/>
+          </a:effectRef>
+          <a:fontRef idx="minor">
+            <a:schemeClr val="lt1"/>
+          </a:fontRef>
+        </p:style>
+        <p:txBody>
+          <a:bodyPr rtlCol="0" anchor="ctr"/>
+          <a:lstStyle/>
+          <a:p>
+            <a:pPr algn="ctr"/>
+            <a:r>
+              <a:rPr kumimoji="1" lang="en-US" altLang="ja-JP" sz="5400" i="1" dirty="0">
+                <a:latin typeface="Times New Roman" panose="02020603050405020304" pitchFamily="18" charset="0"/>
+                <a:cs typeface="Times New Roman" panose="02020603050405020304" pitchFamily="18" charset="0"/>
+              </a:rPr>
+              <a:t>Pass</a:t>
+            </a:r>
+            <a:endParaRPr kumimoji="1" lang="ja-JP" altLang="en-US" sz="5400" i="1" dirty="0">
+              <a:latin typeface="Times New Roman" panose="02020603050405020304" pitchFamily="18" charset="0"/>
+              <a:cs typeface="Times New Roman" panose="02020603050405020304" pitchFamily="18" charset="0"/>
+            </a:endParaRPr>
+          </a:p>
+        </p:txBody>
+      </p:sp>
+      <p:sp>
+        <p:nvSpPr>
+          <p:cNvPr id="6" name="吹き出し: 角を丸めた四角形 5">
+            <a:extLst>
+              <a:ext uri="{FF2B5EF4-FFF2-40B4-BE49-F238E27FC236}">
+                <a16:creationId xmlns:a16="http://schemas.microsoft.com/office/drawing/2014/main" id="{8C2179B5-2A02-4E9D-9E24-E2B755D8FFD8}"/>
+              </a:ext>
+            </a:extLst>
+          </p:cNvPr>
+          <p:cNvSpPr/>
+          <p:nvPr/>
+        </p:nvSpPr>
+        <p:spPr>
+          <a:xfrm rot="10800000">
+            <a:off x="6096000" y="3055325"/>
+            <a:ext cx="2204350" cy="869950"/>
+          </a:xfrm>
+          <a:prstGeom prst="wedgeRoundRectCallout">
+            <a:avLst>
+              <a:gd name="adj1" fmla="val 3849"/>
+              <a:gd name="adj2" fmla="val 75993"/>
+              <a:gd name="adj3" fmla="val 16667"/>
+            </a:avLst>
+          </a:prstGeom>
+          <a:solidFill>
+            <a:schemeClr val="accent1">
+              <a:lumMod val="50000"/>
+            </a:schemeClr>
+          </a:solidFill>
+          <a:ln>
+            <a:noFill/>
+          </a:ln>
+          <a:effectLst/>
+          <a:scene3d>
+            <a:camera prst="orthographicFront"/>
+            <a:lightRig rig="threePt" dir="t"/>
+          </a:scene3d>
+          <a:sp3d>
+            <a:bevelT w="63500" h="63500"/>
+          </a:sp3d>
+        </p:spPr>
+        <p:style>
+          <a:lnRef idx="2">
+            <a:schemeClr val="accent1">
+              <a:shade val="50000"/>
+            </a:schemeClr>
+          </a:lnRef>
+          <a:fillRef idx="1">
+            <a:schemeClr val="accent1"/>
+          </a:fillRef>
+          <a:effectRef idx="0">
+            <a:schemeClr val="accent1"/>
+          </a:effectRef>
+          <a:fontRef idx="minor">
+            <a:schemeClr val="lt1"/>
+          </a:fontRef>
+        </p:style>
+        <p:txBody>
+          <a:bodyPr rtlCol="0" anchor="ctr"/>
+          <a:lstStyle/>
+          <a:p>
+            <a:pPr algn="ctr"/>
+            <a:r>
+              <a:rPr kumimoji="1" lang="en-US" altLang="ja-JP" sz="5400" i="1" dirty="0">
+                <a:latin typeface="Times New Roman" panose="02020603050405020304" pitchFamily="18" charset="0"/>
+                <a:cs typeface="Times New Roman" panose="02020603050405020304" pitchFamily="18" charset="0"/>
+              </a:rPr>
+              <a:t>Win!</a:t>
+            </a:r>
+            <a:endParaRPr kumimoji="1" lang="ja-JP" altLang="en-US" sz="5400" i="1" dirty="0">
+              <a:latin typeface="Times New Roman" panose="02020603050405020304" pitchFamily="18" charset="0"/>
+              <a:cs typeface="Times New Roman" panose="02020603050405020304" pitchFamily="18" charset="0"/>
+            </a:endParaRPr>
+          </a:p>
+        </p:txBody>
+      </p:sp>
+      <p:pic>
+        <p:nvPicPr>
+          <p:cNvPr id="7" name="図 6" descr="挿絵 が含まれている画像&#10;&#10;自動的に生成された説明">
+            <a:extLst>
+              <a:ext uri="{FF2B5EF4-FFF2-40B4-BE49-F238E27FC236}">
+                <a16:creationId xmlns:a16="http://schemas.microsoft.com/office/drawing/2014/main" id="{B26703A1-D5B2-407A-AFC1-686869EC771B}"/>
+              </a:ext>
+            </a:extLst>
+          </p:cNvPr>
+          <p:cNvPicPr>
+            <a:picLocks noChangeAspect="1"/>
+          </p:cNvPicPr>
+          <p:nvPr/>
+        </p:nvPicPr>
+        <p:blipFill>
+          <a:blip r:embed="rId2">
+            <a:extLst>
+              <a:ext uri="{28A0092B-C50C-407E-A947-70E740481C1C}">
+                <a14:useLocalDpi xmlns:a14="http://schemas.microsoft.com/office/drawing/2010/main" val="0"/>
+              </a:ext>
+            </a:extLst>
+          </a:blip>
+          <a:stretch>
+            <a:fillRect/>
+          </a:stretch>
+        </p:blipFill>
+        <p:spPr>
+          <a:xfrm>
+            <a:off x="608617" y="404301"/>
+            <a:ext cx="2204350" cy="872049"/>
+          </a:xfrm>
+          <a:prstGeom prst="rect">
+            <a:avLst/>
+          </a:prstGeom>
+        </p:spPr>
+      </p:pic>
+      <p:sp>
+        <p:nvSpPr>
+          <p:cNvPr id="8" name="正方形/長方形 7">
+            <a:extLst>
+              <a:ext uri="{FF2B5EF4-FFF2-40B4-BE49-F238E27FC236}">
+                <a16:creationId xmlns:a16="http://schemas.microsoft.com/office/drawing/2014/main" id="{22696A54-8D92-406E-A38E-51609521437D}"/>
+              </a:ext>
+            </a:extLst>
+          </p:cNvPr>
+          <p:cNvSpPr/>
+          <p:nvPr/>
+        </p:nvSpPr>
+        <p:spPr>
+          <a:xfrm>
+            <a:off x="1467592" y="5095023"/>
+            <a:ext cx="1595747" cy="1535394"/>
+          </a:xfrm>
+          <a:prstGeom prst="rect">
+            <a:avLst/>
+          </a:prstGeom>
+          <a:blipFill>
+            <a:blip r:embed="rId3"/>
+            <a:tile tx="0" ty="0" sx="100000" sy="100000" flip="none" algn="tl"/>
+          </a:blipFill>
+          <a:ln>
+            <a:noFill/>
+          </a:ln>
+        </p:spPr>
+        <p:style>
+          <a:lnRef idx="2">
+            <a:schemeClr val="accent1">
+              <a:shade val="50000"/>
+            </a:schemeClr>
+          </a:lnRef>
+          <a:fillRef idx="1">
+            <a:schemeClr val="accent1"/>
+          </a:fillRef>
+          <a:effectRef idx="0">
+            <a:schemeClr val="accent1"/>
+          </a:effectRef>
+          <a:fontRef idx="minor">
+            <a:schemeClr val="lt1"/>
+          </a:fontRef>
+        </p:style>
+        <p:txBody>
+          <a:bodyPr rtlCol="0" anchor="ctr"/>
+          <a:lstStyle/>
+          <a:p>
+            <a:pPr algn="ctr"/>
+            <a:endParaRPr kumimoji="1" lang="ja-JP" altLang="en-US"/>
+          </a:p>
+        </p:txBody>
+      </p:sp>
+      <p:sp>
+        <p:nvSpPr>
+          <p:cNvPr id="9" name="正方形/長方形 8">
+            <a:extLst>
+              <a:ext uri="{FF2B5EF4-FFF2-40B4-BE49-F238E27FC236}">
+                <a16:creationId xmlns:a16="http://schemas.microsoft.com/office/drawing/2014/main" id="{53E01521-ABBE-4C20-89EA-5939AD51E53E}"/>
+              </a:ext>
+            </a:extLst>
+          </p:cNvPr>
+          <p:cNvSpPr/>
+          <p:nvPr/>
+        </p:nvSpPr>
+        <p:spPr>
+          <a:xfrm>
+            <a:off x="3063339" y="5095023"/>
+            <a:ext cx="1595747" cy="1535394"/>
+          </a:xfrm>
+          <a:prstGeom prst="rect">
+            <a:avLst/>
+          </a:prstGeom>
+          <a:blipFill>
+            <a:blip r:embed="rId3"/>
+            <a:tile tx="0" ty="0" sx="100000" sy="100000" flip="none" algn="tl"/>
+          </a:blipFill>
+          <a:ln>
+            <a:noFill/>
+          </a:ln>
+        </p:spPr>
+        <p:style>
+          <a:lnRef idx="2">
+            <a:schemeClr val="accent1">
+              <a:shade val="50000"/>
+            </a:schemeClr>
+          </a:lnRef>
+          <a:fillRef idx="1">
+            <a:schemeClr val="accent1"/>
+          </a:fillRef>
+          <a:effectRef idx="0">
+            <a:schemeClr val="accent1"/>
+          </a:effectRef>
+          <a:fontRef idx="minor">
+            <a:schemeClr val="lt1"/>
+          </a:fontRef>
+        </p:style>
+        <p:txBody>
+          <a:bodyPr rtlCol="0" anchor="ctr"/>
+          <a:lstStyle/>
+          <a:p>
+            <a:pPr algn="ctr"/>
+            <a:endParaRPr kumimoji="1" lang="ja-JP" altLang="en-US"/>
+          </a:p>
+        </p:txBody>
+      </p:sp>
+    </p:spTree>
+    <p:extLst>
+      <p:ext uri="{BB962C8B-B14F-4D97-AF65-F5344CB8AC3E}">
+        <p14:creationId xmlns:p14="http://schemas.microsoft.com/office/powerpoint/2010/main" val="282370757"/>
       </p:ext>
     </p:extLst>
   </p:cSld>

--- a/app/static/images0/ytbg.pptx
+++ b/app/static/images0/ytbg.pptx
@@ -260,7 +260,7 @@
           <a:p>
             <a:fld id="{117D3312-2144-4C7E-858D-02C968285917}" type="datetimeFigureOut">
               <a:rPr kumimoji="1" lang="ja-JP" altLang="en-US" smtClean="0"/>
-              <a:t>2020/5/17</a:t>
+              <a:t>2020/5/18</a:t>
             </a:fld>
             <a:endParaRPr kumimoji="1" lang="ja-JP" altLang="en-US"/>
           </a:p>
@@ -490,7 +490,7 @@
           <a:p>
             <a:fld id="{117D3312-2144-4C7E-858D-02C968285917}" type="datetimeFigureOut">
               <a:rPr kumimoji="1" lang="ja-JP" altLang="en-US" smtClean="0"/>
-              <a:t>2020/5/17</a:t>
+              <a:t>2020/5/18</a:t>
             </a:fld>
             <a:endParaRPr kumimoji="1" lang="ja-JP" altLang="en-US"/>
           </a:p>
@@ -730,7 +730,7 @@
           <a:p>
             <a:fld id="{117D3312-2144-4C7E-858D-02C968285917}" type="datetimeFigureOut">
               <a:rPr kumimoji="1" lang="ja-JP" altLang="en-US" smtClean="0"/>
-              <a:t>2020/5/17</a:t>
+              <a:t>2020/5/18</a:t>
             </a:fld>
             <a:endParaRPr kumimoji="1" lang="ja-JP" altLang="en-US"/>
           </a:p>
@@ -960,7 +960,7 @@
           <a:p>
             <a:fld id="{117D3312-2144-4C7E-858D-02C968285917}" type="datetimeFigureOut">
               <a:rPr kumimoji="1" lang="ja-JP" altLang="en-US" smtClean="0"/>
-              <a:t>2020/5/17</a:t>
+              <a:t>2020/5/18</a:t>
             </a:fld>
             <a:endParaRPr kumimoji="1" lang="ja-JP" altLang="en-US"/>
           </a:p>
@@ -1235,7 +1235,7 @@
           <a:p>
             <a:fld id="{117D3312-2144-4C7E-858D-02C968285917}" type="datetimeFigureOut">
               <a:rPr kumimoji="1" lang="ja-JP" altLang="en-US" smtClean="0"/>
-              <a:t>2020/5/17</a:t>
+              <a:t>2020/5/18</a:t>
             </a:fld>
             <a:endParaRPr kumimoji="1" lang="ja-JP" altLang="en-US"/>
           </a:p>
@@ -1564,7 +1564,7 @@
           <a:p>
             <a:fld id="{117D3312-2144-4C7E-858D-02C968285917}" type="datetimeFigureOut">
               <a:rPr kumimoji="1" lang="ja-JP" altLang="en-US" smtClean="0"/>
-              <a:t>2020/5/17</a:t>
+              <a:t>2020/5/18</a:t>
             </a:fld>
             <a:endParaRPr kumimoji="1" lang="ja-JP" altLang="en-US"/>
           </a:p>
@@ -2040,7 +2040,7 @@
           <a:p>
             <a:fld id="{117D3312-2144-4C7E-858D-02C968285917}" type="datetimeFigureOut">
               <a:rPr kumimoji="1" lang="ja-JP" altLang="en-US" smtClean="0"/>
-              <a:t>2020/5/17</a:t>
+              <a:t>2020/5/18</a:t>
             </a:fld>
             <a:endParaRPr kumimoji="1" lang="ja-JP" altLang="en-US"/>
           </a:p>
@@ -2181,7 +2181,7 @@
           <a:p>
             <a:fld id="{117D3312-2144-4C7E-858D-02C968285917}" type="datetimeFigureOut">
               <a:rPr kumimoji="1" lang="ja-JP" altLang="en-US" smtClean="0"/>
-              <a:t>2020/5/17</a:t>
+              <a:t>2020/5/18</a:t>
             </a:fld>
             <a:endParaRPr kumimoji="1" lang="ja-JP" altLang="en-US"/>
           </a:p>
@@ -2294,7 +2294,7 @@
           <a:p>
             <a:fld id="{117D3312-2144-4C7E-858D-02C968285917}" type="datetimeFigureOut">
               <a:rPr kumimoji="1" lang="ja-JP" altLang="en-US" smtClean="0"/>
-              <a:t>2020/5/17</a:t>
+              <a:t>2020/5/18</a:t>
             </a:fld>
             <a:endParaRPr kumimoji="1" lang="ja-JP" altLang="en-US"/>
           </a:p>
@@ -2637,7 +2637,7 @@
           <a:p>
             <a:fld id="{117D3312-2144-4C7E-858D-02C968285917}" type="datetimeFigureOut">
               <a:rPr kumimoji="1" lang="ja-JP" altLang="en-US" smtClean="0"/>
-              <a:t>2020/5/17</a:t>
+              <a:t>2020/5/18</a:t>
             </a:fld>
             <a:endParaRPr kumimoji="1" lang="ja-JP" altLang="en-US"/>
           </a:p>
@@ -2925,7 +2925,7 @@
           <a:p>
             <a:fld id="{117D3312-2144-4C7E-858D-02C968285917}" type="datetimeFigureOut">
               <a:rPr kumimoji="1" lang="ja-JP" altLang="en-US" smtClean="0"/>
-              <a:t>2020/5/17</a:t>
+              <a:t>2020/5/18</a:t>
             </a:fld>
             <a:endParaRPr kumimoji="1" lang="ja-JP" altLang="en-US"/>
           </a:p>
@@ -3198,7 +3198,7 @@
           <a:p>
             <a:fld id="{117D3312-2144-4C7E-858D-02C968285917}" type="datetimeFigureOut">
               <a:rPr kumimoji="1" lang="ja-JP" altLang="en-US" smtClean="0"/>
-              <a:t>2020/5/17</a:t>
+              <a:t>2020/5/18</a:t>
             </a:fld>
             <a:endParaRPr kumimoji="1" lang="ja-JP" altLang="en-US"/>
           </a:p>
@@ -3629,7 +3629,7 @@
         </p:nvSpPr>
         <p:spPr>
           <a:xfrm>
-            <a:off x="6095999" y="4162017"/>
+            <a:off x="5564353" y="4669313"/>
             <a:ext cx="1134460" cy="1134460"/>
           </a:xfrm>
           <a:prstGeom prst="roundRect">
@@ -4124,7 +4124,7 @@
         </p:nvSpPr>
         <p:spPr>
           <a:xfrm rot="16200000" flipV="1">
-            <a:off x="6271343" y="4348979"/>
+            <a:off x="5739697" y="4856275"/>
             <a:ext cx="802821" cy="745841"/>
           </a:xfrm>
           <a:prstGeom prst="uturnArrow">
@@ -4198,7 +4198,7 @@
         </p:nvSpPr>
         <p:spPr>
           <a:xfrm>
-            <a:off x="6095999" y="2765029"/>
+            <a:off x="5564353" y="3272325"/>
             <a:ext cx="1134460" cy="1134460"/>
           </a:xfrm>
           <a:prstGeom prst="roundRect">
@@ -4259,7 +4259,7 @@
         </p:nvSpPr>
         <p:spPr>
           <a:xfrm>
-            <a:off x="6324870" y="3012938"/>
+            <a:off x="5793224" y="3520234"/>
             <a:ext cx="745841" cy="605991"/>
           </a:xfrm>
           <a:prstGeom prst="bentArrow">
@@ -4331,7 +4331,7 @@
         </p:nvSpPr>
         <p:spPr>
           <a:xfrm>
-            <a:off x="6105523" y="1196731"/>
+            <a:off x="5573877" y="1704027"/>
             <a:ext cx="1134460" cy="1134460"/>
           </a:xfrm>
           <a:prstGeom prst="roundRect">
@@ -4392,7 +4392,7 @@
         </p:nvSpPr>
         <p:spPr>
           <a:xfrm rot="3916225">
-            <a:off x="6154066" y="1273515"/>
+            <a:off x="5622420" y="1780811"/>
             <a:ext cx="989128" cy="980893"/>
           </a:xfrm>
           <a:prstGeom prst="circularArrow">
@@ -4449,6 +4449,202 @@
           </a:p>
         </p:txBody>
       </p:sp>
+      <p:sp>
+        <p:nvSpPr>
+          <p:cNvPr id="15" name="四角形: 角を丸くする 14">
+            <a:extLst>
+              <a:ext uri="{FF2B5EF4-FFF2-40B4-BE49-F238E27FC236}">
+                <a16:creationId xmlns:a16="http://schemas.microsoft.com/office/drawing/2014/main" id="{9BBB9691-8BA9-40B6-9A1B-28D1265C97F2}"/>
+              </a:ext>
+            </a:extLst>
+          </p:cNvPr>
+          <p:cNvSpPr/>
+          <p:nvPr/>
+        </p:nvSpPr>
+        <p:spPr>
+          <a:xfrm>
+            <a:off x="5528770" y="309074"/>
+            <a:ext cx="1134460" cy="1134460"/>
+          </a:xfrm>
+          <a:prstGeom prst="roundRect">
+            <a:avLst/>
+          </a:prstGeom>
+          <a:solidFill>
+            <a:schemeClr val="bg1">
+              <a:lumMod val="65000"/>
+            </a:schemeClr>
+          </a:solidFill>
+          <a:ln>
+            <a:noFill/>
+          </a:ln>
+          <a:scene3d>
+            <a:camera prst="orthographicFront"/>
+            <a:lightRig rig="threePt" dir="t"/>
+          </a:scene3d>
+          <a:sp3d>
+            <a:bevelT w="127000" h="63500"/>
+          </a:sp3d>
+        </p:spPr>
+        <p:style>
+          <a:lnRef idx="2">
+            <a:schemeClr val="accent1">
+              <a:shade val="50000"/>
+            </a:schemeClr>
+          </a:lnRef>
+          <a:fillRef idx="1">
+            <a:schemeClr val="accent1"/>
+          </a:fillRef>
+          <a:effectRef idx="0">
+            <a:schemeClr val="accent1"/>
+          </a:effectRef>
+          <a:fontRef idx="minor">
+            <a:schemeClr val="lt1"/>
+          </a:fontRef>
+        </p:style>
+        <p:txBody>
+          <a:bodyPr rtlCol="0" anchor="ctr"/>
+          <a:lstStyle/>
+          <a:p>
+            <a:pPr algn="ctr"/>
+            <a:endParaRPr kumimoji="1" lang="ja-JP" altLang="en-US"/>
+          </a:p>
+        </p:txBody>
+      </p:sp>
+      <p:grpSp>
+        <p:nvGrpSpPr>
+          <p:cNvPr id="21" name="グループ化 20">
+            <a:extLst>
+              <a:ext uri="{FF2B5EF4-FFF2-40B4-BE49-F238E27FC236}">
+                <a16:creationId xmlns:a16="http://schemas.microsoft.com/office/drawing/2014/main" id="{277AC44C-BFDF-4FD5-845C-57F5755B460E}"/>
+              </a:ext>
+            </a:extLst>
+          </p:cNvPr>
+          <p:cNvGrpSpPr/>
+          <p:nvPr/>
+        </p:nvGrpSpPr>
+        <p:grpSpPr>
+          <a:xfrm rot="900000">
+            <a:off x="5744060" y="555165"/>
+            <a:ext cx="658161" cy="642277"/>
+            <a:chOff x="7075243" y="576261"/>
+            <a:chExt cx="658161" cy="642277"/>
+          </a:xfrm>
+        </p:grpSpPr>
+        <p:sp>
+          <p:nvSpPr>
+            <p:cNvPr id="5" name="小波 4">
+              <a:extLst>
+                <a:ext uri="{FF2B5EF4-FFF2-40B4-BE49-F238E27FC236}">
+                  <a16:creationId xmlns:a16="http://schemas.microsoft.com/office/drawing/2014/main" id="{9E40BD14-EB8C-4C69-9AB6-915CC7CC05E3}"/>
+                </a:ext>
+              </a:extLst>
+            </p:cNvPr>
+            <p:cNvSpPr/>
+            <p:nvPr/>
+          </p:nvSpPr>
+          <p:spPr>
+            <a:xfrm>
+              <a:off x="7222209" y="576261"/>
+              <a:ext cx="511195" cy="403974"/>
+            </a:xfrm>
+            <a:prstGeom prst="doubleWave">
+              <a:avLst/>
+            </a:prstGeom>
+            <a:solidFill>
+              <a:schemeClr val="bg1">
+                <a:lumMod val="85000"/>
+              </a:schemeClr>
+            </a:solidFill>
+            <a:ln>
+              <a:noFill/>
+            </a:ln>
+            <a:scene3d>
+              <a:camera prst="orthographicFront"/>
+              <a:lightRig rig="threePt" dir="t"/>
+            </a:scene3d>
+            <a:sp3d prstMaterial="metal">
+              <a:bevelT w="25400" h="12700"/>
+            </a:sp3d>
+          </p:spPr>
+          <p:style>
+            <a:lnRef idx="2">
+              <a:schemeClr val="accent1">
+                <a:shade val="50000"/>
+              </a:schemeClr>
+            </a:lnRef>
+            <a:fillRef idx="1">
+              <a:schemeClr val="accent1"/>
+            </a:fillRef>
+            <a:effectRef idx="0">
+              <a:schemeClr val="accent1"/>
+            </a:effectRef>
+            <a:fontRef idx="minor">
+              <a:schemeClr val="lt1"/>
+            </a:fontRef>
+          </p:style>
+          <p:txBody>
+            <a:bodyPr rtlCol="0" anchor="ctr"/>
+            <a:lstStyle/>
+            <a:p>
+              <a:pPr algn="ctr"/>
+              <a:endParaRPr kumimoji="1" lang="ja-JP" altLang="en-US" dirty="0"/>
+            </a:p>
+          </p:txBody>
+        </p:sp>
+        <p:cxnSp>
+          <p:nvCxnSpPr>
+            <p:cNvPr id="9" name="直線コネクタ 8">
+              <a:extLst>
+                <a:ext uri="{FF2B5EF4-FFF2-40B4-BE49-F238E27FC236}">
+                  <a16:creationId xmlns:a16="http://schemas.microsoft.com/office/drawing/2014/main" id="{7CD99200-5191-4E99-84DE-C5A01E6DEDD4}"/>
+                </a:ext>
+              </a:extLst>
+            </p:cNvPr>
+            <p:cNvCxnSpPr>
+              <a:cxnSpLocks/>
+            </p:cNvCxnSpPr>
+            <p:nvPr/>
+          </p:nvCxnSpPr>
+          <p:spPr>
+            <a:xfrm rot="19800000" flipH="1">
+              <a:off x="7075243" y="613089"/>
+              <a:ext cx="328589" cy="605449"/>
+            </a:xfrm>
+            <a:prstGeom prst="line">
+              <a:avLst/>
+            </a:prstGeom>
+            <a:ln w="53975">
+              <a:solidFill>
+                <a:schemeClr val="bg1">
+                  <a:lumMod val="85000"/>
+                </a:schemeClr>
+              </a:solidFill>
+              <a:headEnd type="none"/>
+            </a:ln>
+            <a:scene3d>
+              <a:camera prst="orthographicFront"/>
+              <a:lightRig rig="threePt" dir="t"/>
+            </a:scene3d>
+            <a:sp3d prstMaterial="metal">
+              <a:bevelT w="25400" h="12700"/>
+            </a:sp3d>
+          </p:spPr>
+          <p:style>
+            <a:lnRef idx="1">
+              <a:schemeClr val="accent1"/>
+            </a:lnRef>
+            <a:fillRef idx="0">
+              <a:schemeClr val="accent1"/>
+            </a:fillRef>
+            <a:effectRef idx="0">
+              <a:schemeClr val="accent1"/>
+            </a:effectRef>
+            <a:fontRef idx="minor">
+              <a:schemeClr val="tx1"/>
+            </a:fontRef>
+          </p:style>
+        </p:cxnSp>
+      </p:grpSp>
     </p:spTree>
     <p:extLst>
       <p:ext uri="{BB962C8B-B14F-4D97-AF65-F5344CB8AC3E}">

--- a/app/static/images0/ytbg.pptx
+++ b/app/static/images0/ytbg.pptx
@@ -7,6 +7,7 @@
   <p:sldIdLst>
     <p:sldId id="256" r:id="rId2"/>
     <p:sldId id="257" r:id="rId3"/>
+    <p:sldId id="258" r:id="rId4"/>
   </p:sldIdLst>
   <p:sldSz cx="12192000" cy="6858000"/>
   <p:notesSz cx="6858000" cy="9144000"/>
@@ -260,7 +261,7 @@
           <a:p>
             <a:fld id="{117D3312-2144-4C7E-858D-02C968285917}" type="datetimeFigureOut">
               <a:rPr kumimoji="1" lang="ja-JP" altLang="en-US" smtClean="0"/>
-              <a:t>2020/5/18</a:t>
+              <a:t>2020/5/22</a:t>
             </a:fld>
             <a:endParaRPr kumimoji="1" lang="ja-JP" altLang="en-US"/>
           </a:p>
@@ -490,7 +491,7 @@
           <a:p>
             <a:fld id="{117D3312-2144-4C7E-858D-02C968285917}" type="datetimeFigureOut">
               <a:rPr kumimoji="1" lang="ja-JP" altLang="en-US" smtClean="0"/>
-              <a:t>2020/5/18</a:t>
+              <a:t>2020/5/22</a:t>
             </a:fld>
             <a:endParaRPr kumimoji="1" lang="ja-JP" altLang="en-US"/>
           </a:p>
@@ -730,7 +731,7 @@
           <a:p>
             <a:fld id="{117D3312-2144-4C7E-858D-02C968285917}" type="datetimeFigureOut">
               <a:rPr kumimoji="1" lang="ja-JP" altLang="en-US" smtClean="0"/>
-              <a:t>2020/5/18</a:t>
+              <a:t>2020/5/22</a:t>
             </a:fld>
             <a:endParaRPr kumimoji="1" lang="ja-JP" altLang="en-US"/>
           </a:p>
@@ -960,7 +961,7 @@
           <a:p>
             <a:fld id="{117D3312-2144-4C7E-858D-02C968285917}" type="datetimeFigureOut">
               <a:rPr kumimoji="1" lang="ja-JP" altLang="en-US" smtClean="0"/>
-              <a:t>2020/5/18</a:t>
+              <a:t>2020/5/22</a:t>
             </a:fld>
             <a:endParaRPr kumimoji="1" lang="ja-JP" altLang="en-US"/>
           </a:p>
@@ -1235,7 +1236,7 @@
           <a:p>
             <a:fld id="{117D3312-2144-4C7E-858D-02C968285917}" type="datetimeFigureOut">
               <a:rPr kumimoji="1" lang="ja-JP" altLang="en-US" smtClean="0"/>
-              <a:t>2020/5/18</a:t>
+              <a:t>2020/5/22</a:t>
             </a:fld>
             <a:endParaRPr kumimoji="1" lang="ja-JP" altLang="en-US"/>
           </a:p>
@@ -1564,7 +1565,7 @@
           <a:p>
             <a:fld id="{117D3312-2144-4C7E-858D-02C968285917}" type="datetimeFigureOut">
               <a:rPr kumimoji="1" lang="ja-JP" altLang="en-US" smtClean="0"/>
-              <a:t>2020/5/18</a:t>
+              <a:t>2020/5/22</a:t>
             </a:fld>
             <a:endParaRPr kumimoji="1" lang="ja-JP" altLang="en-US"/>
           </a:p>
@@ -2040,7 +2041,7 @@
           <a:p>
             <a:fld id="{117D3312-2144-4C7E-858D-02C968285917}" type="datetimeFigureOut">
               <a:rPr kumimoji="1" lang="ja-JP" altLang="en-US" smtClean="0"/>
-              <a:t>2020/5/18</a:t>
+              <a:t>2020/5/22</a:t>
             </a:fld>
             <a:endParaRPr kumimoji="1" lang="ja-JP" altLang="en-US"/>
           </a:p>
@@ -2181,7 +2182,7 @@
           <a:p>
             <a:fld id="{117D3312-2144-4C7E-858D-02C968285917}" type="datetimeFigureOut">
               <a:rPr kumimoji="1" lang="ja-JP" altLang="en-US" smtClean="0"/>
-              <a:t>2020/5/18</a:t>
+              <a:t>2020/5/22</a:t>
             </a:fld>
             <a:endParaRPr kumimoji="1" lang="ja-JP" altLang="en-US"/>
           </a:p>
@@ -2294,7 +2295,7 @@
           <a:p>
             <a:fld id="{117D3312-2144-4C7E-858D-02C968285917}" type="datetimeFigureOut">
               <a:rPr kumimoji="1" lang="ja-JP" altLang="en-US" smtClean="0"/>
-              <a:t>2020/5/18</a:t>
+              <a:t>2020/5/22</a:t>
             </a:fld>
             <a:endParaRPr kumimoji="1" lang="ja-JP" altLang="en-US"/>
           </a:p>
@@ -2637,7 +2638,7 @@
           <a:p>
             <a:fld id="{117D3312-2144-4C7E-858D-02C968285917}" type="datetimeFigureOut">
               <a:rPr kumimoji="1" lang="ja-JP" altLang="en-US" smtClean="0"/>
-              <a:t>2020/5/18</a:t>
+              <a:t>2020/5/22</a:t>
             </a:fld>
             <a:endParaRPr kumimoji="1" lang="ja-JP" altLang="en-US"/>
           </a:p>
@@ -2925,7 +2926,7 @@
           <a:p>
             <a:fld id="{117D3312-2144-4C7E-858D-02C968285917}" type="datetimeFigureOut">
               <a:rPr kumimoji="1" lang="ja-JP" altLang="en-US" smtClean="0"/>
-              <a:t>2020/5/18</a:t>
+              <a:t>2020/5/22</a:t>
             </a:fld>
             <a:endParaRPr kumimoji="1" lang="ja-JP" altLang="en-US"/>
           </a:p>
@@ -3198,7 +3199,7 @@
           <a:p>
             <a:fld id="{117D3312-2144-4C7E-858D-02C968285917}" type="datetimeFigureOut">
               <a:rPr kumimoji="1" lang="ja-JP" altLang="en-US" smtClean="0"/>
-              <a:t>2020/5/18</a:t>
+              <a:t>2020/5/22</a:t>
             </a:fld>
             <a:endParaRPr kumimoji="1" lang="ja-JP" altLang="en-US"/>
           </a:p>
@@ -5062,6 +5063,539 @@
 </p:sld>
 </file>
 
+<file path=ppt/slides/slide3.xml><?xml version="1.0" encoding="utf-8"?>
+<p:sld xmlns:a="http://schemas.openxmlformats.org/drawingml/2006/main" xmlns:r="http://schemas.openxmlformats.org/officeDocument/2006/relationships" xmlns:p="http://schemas.openxmlformats.org/presentationml/2006/main">
+  <p:cSld>
+    <p:spTree>
+      <p:nvGrpSpPr>
+        <p:cNvPr id="1" name=""/>
+        <p:cNvGrpSpPr/>
+        <p:nvPr/>
+      </p:nvGrpSpPr>
+      <p:grpSpPr>
+        <a:xfrm>
+          <a:off x="0" y="0"/>
+          <a:ext cx="0" cy="0"/>
+          <a:chOff x="0" y="0"/>
+          <a:chExt cx="0" cy="0"/>
+        </a:xfrm>
+      </p:grpSpPr>
+      <p:pic>
+        <p:nvPicPr>
+          <p:cNvPr id="5" name="図 4" descr="草, コンピュータ, 多い, 画面 が含まれている画像&#10;&#10;自動的に生成された説明">
+            <a:extLst>
+              <a:ext uri="{FF2B5EF4-FFF2-40B4-BE49-F238E27FC236}">
+                <a16:creationId xmlns:a16="http://schemas.microsoft.com/office/drawing/2014/main" id="{A77C0FE1-66AA-4B36-9A93-BEC2A86DFCB1}"/>
+              </a:ext>
+            </a:extLst>
+          </p:cNvPr>
+          <p:cNvPicPr>
+            <a:picLocks noChangeAspect="1"/>
+          </p:cNvPicPr>
+          <p:nvPr/>
+        </p:nvPicPr>
+        <p:blipFill rotWithShape="1">
+          <a:blip r:embed="rId2">
+            <a:extLst>
+              <a:ext uri="{28A0092B-C50C-407E-A947-70E740481C1C}">
+                <a14:useLocalDpi xmlns:a14="http://schemas.microsoft.com/office/drawing/2010/main" val="0"/>
+              </a:ext>
+            </a:extLst>
+          </a:blip>
+          <a:srcRect l="4927" t="8178" r="8512" b="22721"/>
+          <a:stretch/>
+        </p:blipFill>
+        <p:spPr>
+          <a:xfrm>
+            <a:off x="3009530" y="859240"/>
+            <a:ext cx="8939813" cy="5275229"/>
+          </a:xfrm>
+          <a:prstGeom prst="rect">
+            <a:avLst/>
+          </a:prstGeom>
+        </p:spPr>
+      </p:pic>
+      <p:sp>
+        <p:nvSpPr>
+          <p:cNvPr id="10" name="吹き出し: 角を丸めた四角形 9">
+            <a:extLst>
+              <a:ext uri="{FF2B5EF4-FFF2-40B4-BE49-F238E27FC236}">
+                <a16:creationId xmlns:a16="http://schemas.microsoft.com/office/drawing/2014/main" id="{8BE8792D-4901-4371-A488-6F97944219A1}"/>
+              </a:ext>
+            </a:extLst>
+          </p:cNvPr>
+          <p:cNvSpPr/>
+          <p:nvPr/>
+        </p:nvSpPr>
+        <p:spPr>
+          <a:xfrm>
+            <a:off x="1336089" y="3284739"/>
+            <a:ext cx="1868750" cy="754601"/>
+          </a:xfrm>
+          <a:prstGeom prst="wedgeRoundRectCallout">
+            <a:avLst>
+              <a:gd name="adj1" fmla="val 61020"/>
+              <a:gd name="adj2" fmla="val 126245"/>
+              <a:gd name="adj3" fmla="val 16667"/>
+            </a:avLst>
+          </a:prstGeom>
+        </p:spPr>
+        <p:style>
+          <a:lnRef idx="2">
+            <a:schemeClr val="accent1">
+              <a:shade val="50000"/>
+            </a:schemeClr>
+          </a:lnRef>
+          <a:fillRef idx="1">
+            <a:schemeClr val="accent1"/>
+          </a:fillRef>
+          <a:effectRef idx="0">
+            <a:schemeClr val="accent1"/>
+          </a:effectRef>
+          <a:fontRef idx="minor">
+            <a:schemeClr val="lt1"/>
+          </a:fontRef>
+        </p:style>
+        <p:txBody>
+          <a:bodyPr rtlCol="0" anchor="ctr"/>
+          <a:lstStyle/>
+          <a:p>
+            <a:pPr algn="ctr"/>
+            <a:endParaRPr kumimoji="1" lang="ja-JP" altLang="en-US" dirty="0"/>
+          </a:p>
+        </p:txBody>
+      </p:sp>
+      <p:sp>
+        <p:nvSpPr>
+          <p:cNvPr id="6" name="吹き出し: 角を丸めた四角形 5">
+            <a:extLst>
+              <a:ext uri="{FF2B5EF4-FFF2-40B4-BE49-F238E27FC236}">
+                <a16:creationId xmlns:a16="http://schemas.microsoft.com/office/drawing/2014/main" id="{1EBEE0C7-5703-424E-AF1F-CCA2E20F2A3E}"/>
+              </a:ext>
+            </a:extLst>
+          </p:cNvPr>
+          <p:cNvSpPr/>
+          <p:nvPr/>
+        </p:nvSpPr>
+        <p:spPr>
+          <a:xfrm>
+            <a:off x="3897296" y="1401724"/>
+            <a:ext cx="1162975" cy="648070"/>
+          </a:xfrm>
+          <a:prstGeom prst="wedgeRoundRectCallout">
+            <a:avLst>
+              <a:gd name="adj1" fmla="val -76373"/>
+              <a:gd name="adj2" fmla="val 133733"/>
+              <a:gd name="adj3" fmla="val 16667"/>
+            </a:avLst>
+          </a:prstGeom>
+        </p:spPr>
+        <p:style>
+          <a:lnRef idx="2">
+            <a:schemeClr val="accent1">
+              <a:shade val="50000"/>
+            </a:schemeClr>
+          </a:lnRef>
+          <a:fillRef idx="1">
+            <a:schemeClr val="accent1"/>
+          </a:fillRef>
+          <a:effectRef idx="0">
+            <a:schemeClr val="accent1"/>
+          </a:effectRef>
+          <a:fontRef idx="minor">
+            <a:schemeClr val="lt1"/>
+          </a:fontRef>
+        </p:style>
+        <p:txBody>
+          <a:bodyPr rtlCol="0" anchor="ctr"/>
+          <a:lstStyle/>
+          <a:p>
+            <a:pPr algn="ctr"/>
+            <a:r>
+              <a:rPr kumimoji="1" lang="en-US" altLang="ja-JP" dirty="0"/>
+              <a:t>Player 2</a:t>
+            </a:r>
+          </a:p>
+          <a:p>
+            <a:pPr algn="ctr"/>
+            <a:r>
+              <a:rPr kumimoji="1" lang="ja-JP" altLang="en-US" dirty="0"/>
+              <a:t>の得点</a:t>
+            </a:r>
+          </a:p>
+        </p:txBody>
+      </p:sp>
+      <p:sp>
+        <p:nvSpPr>
+          <p:cNvPr id="9" name="吹き出し: 角を丸めた四角形 8">
+            <a:extLst>
+              <a:ext uri="{FF2B5EF4-FFF2-40B4-BE49-F238E27FC236}">
+                <a16:creationId xmlns:a16="http://schemas.microsoft.com/office/drawing/2014/main" id="{D665705D-82A9-443B-8EAE-82D62A545AE4}"/>
+              </a:ext>
+            </a:extLst>
+          </p:cNvPr>
+          <p:cNvSpPr/>
+          <p:nvPr/>
+        </p:nvSpPr>
+        <p:spPr>
+          <a:xfrm>
+            <a:off x="3897297" y="5132241"/>
+            <a:ext cx="1162975" cy="648070"/>
+          </a:xfrm>
+          <a:prstGeom prst="wedgeRoundRectCallout">
+            <a:avLst>
+              <a:gd name="adj1" fmla="val -79426"/>
+              <a:gd name="adj2" fmla="val -95033"/>
+              <a:gd name="adj3" fmla="val 16667"/>
+            </a:avLst>
+          </a:prstGeom>
+        </p:spPr>
+        <p:style>
+          <a:lnRef idx="2">
+            <a:schemeClr val="accent1">
+              <a:shade val="50000"/>
+            </a:schemeClr>
+          </a:lnRef>
+          <a:fillRef idx="1">
+            <a:schemeClr val="accent1"/>
+          </a:fillRef>
+          <a:effectRef idx="0">
+            <a:schemeClr val="accent1"/>
+          </a:effectRef>
+          <a:fontRef idx="minor">
+            <a:schemeClr val="lt1"/>
+          </a:fontRef>
+        </p:style>
+        <p:txBody>
+          <a:bodyPr rtlCol="0" anchor="ctr"/>
+          <a:lstStyle/>
+          <a:p>
+            <a:pPr algn="ctr"/>
+            <a:r>
+              <a:rPr kumimoji="1" lang="en-US" altLang="ja-JP" dirty="0"/>
+              <a:t>Player 1</a:t>
+            </a:r>
+          </a:p>
+          <a:p>
+            <a:pPr algn="ctr"/>
+            <a:r>
+              <a:rPr kumimoji="1" lang="ja-JP" altLang="en-US" dirty="0"/>
+              <a:t>の得点</a:t>
+            </a:r>
+          </a:p>
+        </p:txBody>
+      </p:sp>
+      <p:sp>
+        <p:nvSpPr>
+          <p:cNvPr id="11" name="吹き出し: 角を丸めた四角形 10">
+            <a:extLst>
+              <a:ext uri="{FF2B5EF4-FFF2-40B4-BE49-F238E27FC236}">
+                <a16:creationId xmlns:a16="http://schemas.microsoft.com/office/drawing/2014/main" id="{9689F86D-4305-48C1-A95D-832CE998F58F}"/>
+              </a:ext>
+            </a:extLst>
+          </p:cNvPr>
+          <p:cNvSpPr/>
+          <p:nvPr/>
+        </p:nvSpPr>
+        <p:spPr>
+          <a:xfrm>
+            <a:off x="1336089" y="3284739"/>
+            <a:ext cx="1868751" cy="754601"/>
+          </a:xfrm>
+          <a:prstGeom prst="wedgeRoundRectCallout">
+            <a:avLst>
+              <a:gd name="adj1" fmla="val 59827"/>
+              <a:gd name="adj2" fmla="val -107804"/>
+              <a:gd name="adj3" fmla="val 16667"/>
+            </a:avLst>
+          </a:prstGeom>
+        </p:spPr>
+        <p:style>
+          <a:lnRef idx="2">
+            <a:schemeClr val="accent1">
+              <a:shade val="50000"/>
+            </a:schemeClr>
+          </a:lnRef>
+          <a:fillRef idx="1">
+            <a:schemeClr val="accent1"/>
+          </a:fillRef>
+          <a:effectRef idx="0">
+            <a:schemeClr val="accent1"/>
+          </a:effectRef>
+          <a:fontRef idx="minor">
+            <a:schemeClr val="lt1"/>
+          </a:fontRef>
+        </p:style>
+        <p:txBody>
+          <a:bodyPr rtlCol="0" anchor="ctr"/>
+          <a:lstStyle/>
+          <a:p>
+            <a:pPr algn="ctr"/>
+            <a:r>
+              <a:rPr kumimoji="1" lang="en-US" altLang="ja-JP" dirty="0"/>
+              <a:t>(</a:t>
+            </a:r>
+            <a:r>
+              <a:rPr kumimoji="1" lang="ja-JP" altLang="en-US" dirty="0"/>
+              <a:t>数字の上半分</a:t>
+            </a:r>
+            <a:r>
+              <a:rPr kumimoji="1" lang="en-US" altLang="ja-JP" dirty="0"/>
+              <a:t>)</a:t>
+            </a:r>
+          </a:p>
+          <a:p>
+            <a:pPr algn="ctr"/>
+            <a:r>
+              <a:rPr kumimoji="1" lang="ja-JP" altLang="en-US" b="1" dirty="0"/>
+              <a:t>カウントアップ</a:t>
+            </a:r>
+          </a:p>
+        </p:txBody>
+      </p:sp>
+      <p:sp>
+        <p:nvSpPr>
+          <p:cNvPr id="12" name="吹き出し: 角を丸めた四角形 11">
+            <a:extLst>
+              <a:ext uri="{FF2B5EF4-FFF2-40B4-BE49-F238E27FC236}">
+                <a16:creationId xmlns:a16="http://schemas.microsoft.com/office/drawing/2014/main" id="{8E3523F9-E922-4A4A-9A6B-2648950138C2}"/>
+              </a:ext>
+            </a:extLst>
+          </p:cNvPr>
+          <p:cNvSpPr/>
+          <p:nvPr/>
+        </p:nvSpPr>
+        <p:spPr>
+          <a:xfrm>
+            <a:off x="3943904" y="3284738"/>
+            <a:ext cx="1868751" cy="754601"/>
+          </a:xfrm>
+          <a:prstGeom prst="wedgeRoundRectCallout">
+            <a:avLst>
+              <a:gd name="adj1" fmla="val -62263"/>
+              <a:gd name="adj2" fmla="val -103098"/>
+              <a:gd name="adj3" fmla="val 16667"/>
+            </a:avLst>
+          </a:prstGeom>
+        </p:spPr>
+        <p:style>
+          <a:lnRef idx="2">
+            <a:schemeClr val="accent1">
+              <a:shade val="50000"/>
+            </a:schemeClr>
+          </a:lnRef>
+          <a:fillRef idx="1">
+            <a:schemeClr val="accent1"/>
+          </a:fillRef>
+          <a:effectRef idx="0">
+            <a:schemeClr val="accent1"/>
+          </a:effectRef>
+          <a:fontRef idx="minor">
+            <a:schemeClr val="lt1"/>
+          </a:fontRef>
+        </p:style>
+        <p:txBody>
+          <a:bodyPr rtlCol="0" anchor="ctr"/>
+          <a:lstStyle/>
+          <a:p>
+            <a:pPr algn="ctr"/>
+            <a:r>
+              <a:rPr kumimoji="1" lang="en-US" altLang="ja-JP" dirty="0"/>
+              <a:t>(</a:t>
+            </a:r>
+            <a:r>
+              <a:rPr kumimoji="1" lang="ja-JP" altLang="en-US" dirty="0"/>
+              <a:t>数字の下半分</a:t>
+            </a:r>
+            <a:r>
+              <a:rPr kumimoji="1" lang="en-US" altLang="ja-JP" dirty="0"/>
+              <a:t>)</a:t>
+            </a:r>
+            <a:endParaRPr lang="en-US" altLang="ja-JP" dirty="0"/>
+          </a:p>
+          <a:p>
+            <a:pPr algn="ctr"/>
+            <a:r>
+              <a:rPr kumimoji="1" lang="ja-JP" altLang="en-US" dirty="0"/>
+              <a:t>ゼロ・クリア</a:t>
+            </a:r>
+            <a:endParaRPr kumimoji="1" lang="en-US" altLang="ja-JP" dirty="0"/>
+          </a:p>
+        </p:txBody>
+      </p:sp>
+      <p:sp>
+        <p:nvSpPr>
+          <p:cNvPr id="13" name="吹き出し: 角を丸めた四角形 12">
+            <a:extLst>
+              <a:ext uri="{FF2B5EF4-FFF2-40B4-BE49-F238E27FC236}">
+                <a16:creationId xmlns:a16="http://schemas.microsoft.com/office/drawing/2014/main" id="{19E2824E-5589-4D85-9823-B47125F71EB8}"/>
+              </a:ext>
+            </a:extLst>
+          </p:cNvPr>
+          <p:cNvSpPr/>
+          <p:nvPr/>
+        </p:nvSpPr>
+        <p:spPr>
+          <a:xfrm>
+            <a:off x="3943904" y="3284737"/>
+            <a:ext cx="1868751" cy="754601"/>
+          </a:xfrm>
+          <a:prstGeom prst="wedgeRoundRectCallout">
+            <a:avLst>
+              <a:gd name="adj1" fmla="val -63213"/>
+              <a:gd name="adj2" fmla="val 119255"/>
+              <a:gd name="adj3" fmla="val 16667"/>
+            </a:avLst>
+          </a:prstGeom>
+        </p:spPr>
+        <p:style>
+          <a:lnRef idx="2">
+            <a:schemeClr val="accent1">
+              <a:shade val="50000"/>
+            </a:schemeClr>
+          </a:lnRef>
+          <a:fillRef idx="1">
+            <a:schemeClr val="accent1"/>
+          </a:fillRef>
+          <a:effectRef idx="0">
+            <a:schemeClr val="accent1"/>
+          </a:effectRef>
+          <a:fontRef idx="minor">
+            <a:schemeClr val="lt1"/>
+          </a:fontRef>
+        </p:style>
+        <p:txBody>
+          <a:bodyPr rtlCol="0" anchor="ctr"/>
+          <a:lstStyle/>
+          <a:p>
+            <a:pPr algn="ctr"/>
+            <a:r>
+              <a:rPr kumimoji="1" lang="en-US" altLang="ja-JP" dirty="0"/>
+              <a:t>(</a:t>
+            </a:r>
+            <a:r>
+              <a:rPr kumimoji="1" lang="ja-JP" altLang="en-US" dirty="0"/>
+              <a:t>数字の下半分</a:t>
+            </a:r>
+            <a:r>
+              <a:rPr kumimoji="1" lang="en-US" altLang="ja-JP" dirty="0"/>
+              <a:t>)</a:t>
+            </a:r>
+            <a:endParaRPr lang="en-US" altLang="ja-JP" dirty="0"/>
+          </a:p>
+          <a:p>
+            <a:pPr algn="ctr"/>
+            <a:r>
+              <a:rPr kumimoji="1" lang="ja-JP" altLang="en-US" b="1" dirty="0"/>
+              <a:t>ゼロ・</a:t>
+            </a:r>
+            <a:r>
+              <a:rPr kumimoji="1" lang="ja-JP" altLang="en-US" b="1" dirty="0">
+                <a:solidFill>
+                  <a:srgbClr val="FFFF00"/>
+                </a:solidFill>
+              </a:rPr>
+              <a:t>クリア</a:t>
+            </a:r>
+            <a:endParaRPr kumimoji="1" lang="en-US" altLang="ja-JP" b="1" dirty="0">
+              <a:solidFill>
+                <a:srgbClr val="FFFF00"/>
+              </a:solidFill>
+            </a:endParaRPr>
+          </a:p>
+        </p:txBody>
+      </p:sp>
+      <p:sp>
+        <p:nvSpPr>
+          <p:cNvPr id="14" name="吹き出し: 角を丸めた四角形 13">
+            <a:extLst>
+              <a:ext uri="{FF2B5EF4-FFF2-40B4-BE49-F238E27FC236}">
+                <a16:creationId xmlns:a16="http://schemas.microsoft.com/office/drawing/2014/main" id="{826A6EBD-A108-42B9-83B1-94A362CAEC89}"/>
+              </a:ext>
+            </a:extLst>
+          </p:cNvPr>
+          <p:cNvSpPr/>
+          <p:nvPr/>
+        </p:nvSpPr>
+        <p:spPr>
+          <a:xfrm>
+            <a:off x="7764264" y="3284737"/>
+            <a:ext cx="1418206" cy="754601"/>
+          </a:xfrm>
+          <a:prstGeom prst="wedgeRoundRectCallout">
+            <a:avLst>
+              <a:gd name="adj1" fmla="val 199132"/>
+              <a:gd name="adj2" fmla="val 272196"/>
+              <a:gd name="adj3" fmla="val 16667"/>
+            </a:avLst>
+          </a:prstGeom>
+        </p:spPr>
+        <p:style>
+          <a:lnRef idx="2">
+            <a:schemeClr val="accent1">
+              <a:shade val="50000"/>
+            </a:schemeClr>
+          </a:lnRef>
+          <a:fillRef idx="1">
+            <a:schemeClr val="accent1"/>
+          </a:fillRef>
+          <a:effectRef idx="0">
+            <a:schemeClr val="accent1"/>
+          </a:effectRef>
+          <a:fontRef idx="minor">
+            <a:schemeClr val="lt1"/>
+          </a:fontRef>
+        </p:style>
+        <p:txBody>
+          <a:bodyPr rtlCol="0" anchor="ctr"/>
+          <a:lstStyle/>
+          <a:p>
+            <a:pPr algn="ctr"/>
+            <a:r>
+              <a:rPr kumimoji="1" lang="ja-JP" altLang="en-US" b="1" dirty="0">
+                <a:solidFill>
+                  <a:srgbClr val="FFFF00"/>
+                </a:solidFill>
+              </a:rPr>
+              <a:t>間違えたら</a:t>
+            </a:r>
+            <a:endParaRPr kumimoji="1" lang="en-US" altLang="ja-JP" b="1" dirty="0">
+              <a:solidFill>
+                <a:srgbClr val="FFFF00"/>
+              </a:solidFill>
+            </a:endParaRPr>
+          </a:p>
+          <a:p>
+            <a:pPr algn="ctr"/>
+            <a:r>
+              <a:rPr kumimoji="1" lang="ja-JP" altLang="en-US" b="1" dirty="0">
+                <a:solidFill>
+                  <a:srgbClr val="FFFF00"/>
+                </a:solidFill>
+              </a:rPr>
+              <a:t>戻す！</a:t>
+            </a:r>
+            <a:endParaRPr kumimoji="1" lang="en-US" altLang="ja-JP" b="1" dirty="0">
+              <a:solidFill>
+                <a:srgbClr val="FFFF00"/>
+              </a:solidFill>
+            </a:endParaRPr>
+          </a:p>
+        </p:txBody>
+      </p:sp>
+    </p:spTree>
+    <p:extLst>
+      <p:ext uri="{BB962C8B-B14F-4D97-AF65-F5344CB8AC3E}">
+        <p14:creationId xmlns:p14="http://schemas.microsoft.com/office/powerpoint/2010/main" val="2111587937"/>
+      </p:ext>
+    </p:extLst>
+  </p:cSld>
+  <p:clrMapOvr>
+    <a:masterClrMapping/>
+  </p:clrMapOvr>
+</p:sld>
+</file>
+
 <file path=ppt/theme/theme1.xml><?xml version="1.0" encoding="utf-8"?>
 <a:theme xmlns:a="http://schemas.openxmlformats.org/drawingml/2006/main" name="Office テーマ">
   <a:themeElements>

--- a/app/static/images0/ytbg.pptx
+++ b/app/static/images0/ytbg.pptx
@@ -261,7 +261,7 @@
           <a:p>
             <a:fld id="{117D3312-2144-4C7E-858D-02C968285917}" type="datetimeFigureOut">
               <a:rPr kumimoji="1" lang="ja-JP" altLang="en-US" smtClean="0"/>
-              <a:t>2020/5/22</a:t>
+              <a:t>2020/5/25</a:t>
             </a:fld>
             <a:endParaRPr kumimoji="1" lang="ja-JP" altLang="en-US"/>
           </a:p>
@@ -491,7 +491,7 @@
           <a:p>
             <a:fld id="{117D3312-2144-4C7E-858D-02C968285917}" type="datetimeFigureOut">
               <a:rPr kumimoji="1" lang="ja-JP" altLang="en-US" smtClean="0"/>
-              <a:t>2020/5/22</a:t>
+              <a:t>2020/5/25</a:t>
             </a:fld>
             <a:endParaRPr kumimoji="1" lang="ja-JP" altLang="en-US"/>
           </a:p>
@@ -731,7 +731,7 @@
           <a:p>
             <a:fld id="{117D3312-2144-4C7E-858D-02C968285917}" type="datetimeFigureOut">
               <a:rPr kumimoji="1" lang="ja-JP" altLang="en-US" smtClean="0"/>
-              <a:t>2020/5/22</a:t>
+              <a:t>2020/5/25</a:t>
             </a:fld>
             <a:endParaRPr kumimoji="1" lang="ja-JP" altLang="en-US"/>
           </a:p>
@@ -961,7 +961,7 @@
           <a:p>
             <a:fld id="{117D3312-2144-4C7E-858D-02C968285917}" type="datetimeFigureOut">
               <a:rPr kumimoji="1" lang="ja-JP" altLang="en-US" smtClean="0"/>
-              <a:t>2020/5/22</a:t>
+              <a:t>2020/5/25</a:t>
             </a:fld>
             <a:endParaRPr kumimoji="1" lang="ja-JP" altLang="en-US"/>
           </a:p>
@@ -1236,7 +1236,7 @@
           <a:p>
             <a:fld id="{117D3312-2144-4C7E-858D-02C968285917}" type="datetimeFigureOut">
               <a:rPr kumimoji="1" lang="ja-JP" altLang="en-US" smtClean="0"/>
-              <a:t>2020/5/22</a:t>
+              <a:t>2020/5/25</a:t>
             </a:fld>
             <a:endParaRPr kumimoji="1" lang="ja-JP" altLang="en-US"/>
           </a:p>
@@ -1565,7 +1565,7 @@
           <a:p>
             <a:fld id="{117D3312-2144-4C7E-858D-02C968285917}" type="datetimeFigureOut">
               <a:rPr kumimoji="1" lang="ja-JP" altLang="en-US" smtClean="0"/>
-              <a:t>2020/5/22</a:t>
+              <a:t>2020/5/25</a:t>
             </a:fld>
             <a:endParaRPr kumimoji="1" lang="ja-JP" altLang="en-US"/>
           </a:p>
@@ -2041,7 +2041,7 @@
           <a:p>
             <a:fld id="{117D3312-2144-4C7E-858D-02C968285917}" type="datetimeFigureOut">
               <a:rPr kumimoji="1" lang="ja-JP" altLang="en-US" smtClean="0"/>
-              <a:t>2020/5/22</a:t>
+              <a:t>2020/5/25</a:t>
             </a:fld>
             <a:endParaRPr kumimoji="1" lang="ja-JP" altLang="en-US"/>
           </a:p>
@@ -2182,7 +2182,7 @@
           <a:p>
             <a:fld id="{117D3312-2144-4C7E-858D-02C968285917}" type="datetimeFigureOut">
               <a:rPr kumimoji="1" lang="ja-JP" altLang="en-US" smtClean="0"/>
-              <a:t>2020/5/22</a:t>
+              <a:t>2020/5/25</a:t>
             </a:fld>
             <a:endParaRPr kumimoji="1" lang="ja-JP" altLang="en-US"/>
           </a:p>
@@ -2295,7 +2295,7 @@
           <a:p>
             <a:fld id="{117D3312-2144-4C7E-858D-02C968285917}" type="datetimeFigureOut">
               <a:rPr kumimoji="1" lang="ja-JP" altLang="en-US" smtClean="0"/>
-              <a:t>2020/5/22</a:t>
+              <a:t>2020/5/25</a:t>
             </a:fld>
             <a:endParaRPr kumimoji="1" lang="ja-JP" altLang="en-US"/>
           </a:p>
@@ -2638,7 +2638,7 @@
           <a:p>
             <a:fld id="{117D3312-2144-4C7E-858D-02C968285917}" type="datetimeFigureOut">
               <a:rPr kumimoji="1" lang="ja-JP" altLang="en-US" smtClean="0"/>
-              <a:t>2020/5/22</a:t>
+              <a:t>2020/5/25</a:t>
             </a:fld>
             <a:endParaRPr kumimoji="1" lang="ja-JP" altLang="en-US"/>
           </a:p>
@@ -2926,7 +2926,7 @@
           <a:p>
             <a:fld id="{117D3312-2144-4C7E-858D-02C968285917}" type="datetimeFigureOut">
               <a:rPr kumimoji="1" lang="ja-JP" altLang="en-US" smtClean="0"/>
-              <a:t>2020/5/22</a:t>
+              <a:t>2020/5/25</a:t>
             </a:fld>
             <a:endParaRPr kumimoji="1" lang="ja-JP" altLang="en-US"/>
           </a:p>
@@ -3199,7 +3199,7 @@
           <a:p>
             <a:fld id="{117D3312-2144-4C7E-858D-02C968285917}" type="datetimeFigureOut">
               <a:rPr kumimoji="1" lang="ja-JP" altLang="en-US" smtClean="0"/>
-              <a:t>2020/5/22</a:t>
+              <a:t>2020/5/25</a:t>
             </a:fld>
             <a:endParaRPr kumimoji="1" lang="ja-JP" altLang="en-US"/>
           </a:p>
@@ -5107,7 +5107,7 @@
         </p:blipFill>
         <p:spPr>
           <a:xfrm>
-            <a:off x="3009530" y="859240"/>
+            <a:off x="2026304" y="869072"/>
             <a:ext cx="8939813" cy="5275229"/>
           </a:xfrm>
           <a:prstGeom prst="rect">
@@ -5117,10 +5117,10 @@
       </p:pic>
       <p:sp>
         <p:nvSpPr>
-          <p:cNvPr id="10" name="吹き出し: 角を丸めた四角形 9">
-            <a:extLst>
-              <a:ext uri="{FF2B5EF4-FFF2-40B4-BE49-F238E27FC236}">
-                <a16:creationId xmlns:a16="http://schemas.microsoft.com/office/drawing/2014/main" id="{8BE8792D-4901-4371-A488-6F97944219A1}"/>
+          <p:cNvPr id="11" name="吹き出し: 角を丸めた四角形 10">
+            <a:extLst>
+              <a:ext uri="{FF2B5EF4-FFF2-40B4-BE49-F238E27FC236}">
+                <a16:creationId xmlns:a16="http://schemas.microsoft.com/office/drawing/2014/main" id="{9689F86D-4305-48C1-A95D-832CE998F58F}"/>
               </a:ext>
             </a:extLst>
           </p:cNvPr>
@@ -5129,13 +5129,13 @@
         </p:nvSpPr>
         <p:spPr>
           <a:xfrm>
-            <a:off x="1336089" y="3284739"/>
-            <a:ext cx="1868750" cy="754601"/>
+            <a:off x="3127039" y="1446104"/>
+            <a:ext cx="1868751" cy="754601"/>
           </a:xfrm>
           <a:prstGeom prst="wedgeRoundRectCallout">
             <a:avLst>
-              <a:gd name="adj1" fmla="val 61020"/>
-              <a:gd name="adj2" fmla="val 126245"/>
+              <a:gd name="adj1" fmla="val -86440"/>
+              <a:gd name="adj2" fmla="val 361267"/>
               <a:gd name="adj3" fmla="val 16667"/>
             </a:avLst>
           </a:prstGeom>
@@ -5161,16 +5161,34 @@
           <a:lstStyle/>
           <a:p>
             <a:pPr algn="ctr"/>
-            <a:endParaRPr kumimoji="1" lang="ja-JP" altLang="en-US" dirty="0"/>
-          </a:p>
-        </p:txBody>
-      </p:sp>
-      <p:sp>
-        <p:nvSpPr>
-          <p:cNvPr id="6" name="吹き出し: 角を丸めた四角形 5">
-            <a:extLst>
-              <a:ext uri="{FF2B5EF4-FFF2-40B4-BE49-F238E27FC236}">
-                <a16:creationId xmlns:a16="http://schemas.microsoft.com/office/drawing/2014/main" id="{1EBEE0C7-5703-424E-AF1F-CCA2E20F2A3E}"/>
+            <a:r>
+              <a:rPr kumimoji="1" lang="en-US" altLang="ja-JP" dirty="0"/>
+              <a:t>(</a:t>
+            </a:r>
+            <a:r>
+              <a:rPr kumimoji="1" lang="ja-JP" altLang="en-US" dirty="0"/>
+              <a:t>数字の上半分</a:t>
+            </a:r>
+            <a:r>
+              <a:rPr kumimoji="1" lang="en-US" altLang="ja-JP" dirty="0"/>
+              <a:t>)</a:t>
+            </a:r>
+          </a:p>
+          <a:p>
+            <a:pPr algn="ctr"/>
+            <a:r>
+              <a:rPr kumimoji="1" lang="ja-JP" altLang="en-US" b="1" dirty="0"/>
+              <a:t>カウントアップ</a:t>
+            </a:r>
+          </a:p>
+        </p:txBody>
+      </p:sp>
+      <p:sp>
+        <p:nvSpPr>
+          <p:cNvPr id="13" name="吹き出し: 角を丸めた四角形 12">
+            <a:extLst>
+              <a:ext uri="{FF2B5EF4-FFF2-40B4-BE49-F238E27FC236}">
+                <a16:creationId xmlns:a16="http://schemas.microsoft.com/office/drawing/2014/main" id="{19E2824E-5589-4D85-9823-B47125F71EB8}"/>
               </a:ext>
             </a:extLst>
           </p:cNvPr>
@@ -5179,13 +5197,13 @@
         </p:nvSpPr>
         <p:spPr>
           <a:xfrm>
-            <a:off x="3897296" y="1401724"/>
-            <a:ext cx="1162975" cy="648070"/>
+            <a:off x="3127038" y="5162697"/>
+            <a:ext cx="1868751" cy="754601"/>
           </a:xfrm>
           <a:prstGeom prst="wedgeRoundRectCallout">
             <a:avLst>
-              <a:gd name="adj1" fmla="val -76373"/>
-              <a:gd name="adj2" fmla="val 133733"/>
+              <a:gd name="adj1" fmla="val -72157"/>
+              <a:gd name="adj2" fmla="val -121796"/>
               <a:gd name="adj3" fmla="val 16667"/>
             </a:avLst>
           </a:prstGeom>
@@ -5213,264 +5231,6 @@
             <a:pPr algn="ctr"/>
             <a:r>
               <a:rPr kumimoji="1" lang="en-US" altLang="ja-JP" dirty="0"/>
-              <a:t>Player 2</a:t>
-            </a:r>
-          </a:p>
-          <a:p>
-            <a:pPr algn="ctr"/>
-            <a:r>
-              <a:rPr kumimoji="1" lang="ja-JP" altLang="en-US" dirty="0"/>
-              <a:t>の得点</a:t>
-            </a:r>
-          </a:p>
-        </p:txBody>
-      </p:sp>
-      <p:sp>
-        <p:nvSpPr>
-          <p:cNvPr id="9" name="吹き出し: 角を丸めた四角形 8">
-            <a:extLst>
-              <a:ext uri="{FF2B5EF4-FFF2-40B4-BE49-F238E27FC236}">
-                <a16:creationId xmlns:a16="http://schemas.microsoft.com/office/drawing/2014/main" id="{D665705D-82A9-443B-8EAE-82D62A545AE4}"/>
-              </a:ext>
-            </a:extLst>
-          </p:cNvPr>
-          <p:cNvSpPr/>
-          <p:nvPr/>
-        </p:nvSpPr>
-        <p:spPr>
-          <a:xfrm>
-            <a:off x="3897297" y="5132241"/>
-            <a:ext cx="1162975" cy="648070"/>
-          </a:xfrm>
-          <a:prstGeom prst="wedgeRoundRectCallout">
-            <a:avLst>
-              <a:gd name="adj1" fmla="val -79426"/>
-              <a:gd name="adj2" fmla="val -95033"/>
-              <a:gd name="adj3" fmla="val 16667"/>
-            </a:avLst>
-          </a:prstGeom>
-        </p:spPr>
-        <p:style>
-          <a:lnRef idx="2">
-            <a:schemeClr val="accent1">
-              <a:shade val="50000"/>
-            </a:schemeClr>
-          </a:lnRef>
-          <a:fillRef idx="1">
-            <a:schemeClr val="accent1"/>
-          </a:fillRef>
-          <a:effectRef idx="0">
-            <a:schemeClr val="accent1"/>
-          </a:effectRef>
-          <a:fontRef idx="minor">
-            <a:schemeClr val="lt1"/>
-          </a:fontRef>
-        </p:style>
-        <p:txBody>
-          <a:bodyPr rtlCol="0" anchor="ctr"/>
-          <a:lstStyle/>
-          <a:p>
-            <a:pPr algn="ctr"/>
-            <a:r>
-              <a:rPr kumimoji="1" lang="en-US" altLang="ja-JP" dirty="0"/>
-              <a:t>Player 1</a:t>
-            </a:r>
-          </a:p>
-          <a:p>
-            <a:pPr algn="ctr"/>
-            <a:r>
-              <a:rPr kumimoji="1" lang="ja-JP" altLang="en-US" dirty="0"/>
-              <a:t>の得点</a:t>
-            </a:r>
-          </a:p>
-        </p:txBody>
-      </p:sp>
-      <p:sp>
-        <p:nvSpPr>
-          <p:cNvPr id="11" name="吹き出し: 角を丸めた四角形 10">
-            <a:extLst>
-              <a:ext uri="{FF2B5EF4-FFF2-40B4-BE49-F238E27FC236}">
-                <a16:creationId xmlns:a16="http://schemas.microsoft.com/office/drawing/2014/main" id="{9689F86D-4305-48C1-A95D-832CE998F58F}"/>
-              </a:ext>
-            </a:extLst>
-          </p:cNvPr>
-          <p:cNvSpPr/>
-          <p:nvPr/>
-        </p:nvSpPr>
-        <p:spPr>
-          <a:xfrm>
-            <a:off x="1336089" y="3284739"/>
-            <a:ext cx="1868751" cy="754601"/>
-          </a:xfrm>
-          <a:prstGeom prst="wedgeRoundRectCallout">
-            <a:avLst>
-              <a:gd name="adj1" fmla="val 59827"/>
-              <a:gd name="adj2" fmla="val -107804"/>
-              <a:gd name="adj3" fmla="val 16667"/>
-            </a:avLst>
-          </a:prstGeom>
-        </p:spPr>
-        <p:style>
-          <a:lnRef idx="2">
-            <a:schemeClr val="accent1">
-              <a:shade val="50000"/>
-            </a:schemeClr>
-          </a:lnRef>
-          <a:fillRef idx="1">
-            <a:schemeClr val="accent1"/>
-          </a:fillRef>
-          <a:effectRef idx="0">
-            <a:schemeClr val="accent1"/>
-          </a:effectRef>
-          <a:fontRef idx="minor">
-            <a:schemeClr val="lt1"/>
-          </a:fontRef>
-        </p:style>
-        <p:txBody>
-          <a:bodyPr rtlCol="0" anchor="ctr"/>
-          <a:lstStyle/>
-          <a:p>
-            <a:pPr algn="ctr"/>
-            <a:r>
-              <a:rPr kumimoji="1" lang="en-US" altLang="ja-JP" dirty="0"/>
-              <a:t>(</a:t>
-            </a:r>
-            <a:r>
-              <a:rPr kumimoji="1" lang="ja-JP" altLang="en-US" dirty="0"/>
-              <a:t>数字の上半分</a:t>
-            </a:r>
-            <a:r>
-              <a:rPr kumimoji="1" lang="en-US" altLang="ja-JP" dirty="0"/>
-              <a:t>)</a:t>
-            </a:r>
-          </a:p>
-          <a:p>
-            <a:pPr algn="ctr"/>
-            <a:r>
-              <a:rPr kumimoji="1" lang="ja-JP" altLang="en-US" b="1" dirty="0"/>
-              <a:t>カウントアップ</a:t>
-            </a:r>
-          </a:p>
-        </p:txBody>
-      </p:sp>
-      <p:sp>
-        <p:nvSpPr>
-          <p:cNvPr id="12" name="吹き出し: 角を丸めた四角形 11">
-            <a:extLst>
-              <a:ext uri="{FF2B5EF4-FFF2-40B4-BE49-F238E27FC236}">
-                <a16:creationId xmlns:a16="http://schemas.microsoft.com/office/drawing/2014/main" id="{8E3523F9-E922-4A4A-9A6B-2648950138C2}"/>
-              </a:ext>
-            </a:extLst>
-          </p:cNvPr>
-          <p:cNvSpPr/>
-          <p:nvPr/>
-        </p:nvSpPr>
-        <p:spPr>
-          <a:xfrm>
-            <a:off x="3943904" y="3284738"/>
-            <a:ext cx="1868751" cy="754601"/>
-          </a:xfrm>
-          <a:prstGeom prst="wedgeRoundRectCallout">
-            <a:avLst>
-              <a:gd name="adj1" fmla="val -62263"/>
-              <a:gd name="adj2" fmla="val -103098"/>
-              <a:gd name="adj3" fmla="val 16667"/>
-            </a:avLst>
-          </a:prstGeom>
-        </p:spPr>
-        <p:style>
-          <a:lnRef idx="2">
-            <a:schemeClr val="accent1">
-              <a:shade val="50000"/>
-            </a:schemeClr>
-          </a:lnRef>
-          <a:fillRef idx="1">
-            <a:schemeClr val="accent1"/>
-          </a:fillRef>
-          <a:effectRef idx="0">
-            <a:schemeClr val="accent1"/>
-          </a:effectRef>
-          <a:fontRef idx="minor">
-            <a:schemeClr val="lt1"/>
-          </a:fontRef>
-        </p:style>
-        <p:txBody>
-          <a:bodyPr rtlCol="0" anchor="ctr"/>
-          <a:lstStyle/>
-          <a:p>
-            <a:pPr algn="ctr"/>
-            <a:r>
-              <a:rPr kumimoji="1" lang="en-US" altLang="ja-JP" dirty="0"/>
-              <a:t>(</a:t>
-            </a:r>
-            <a:r>
-              <a:rPr kumimoji="1" lang="ja-JP" altLang="en-US" dirty="0"/>
-              <a:t>数字の下半分</a:t>
-            </a:r>
-            <a:r>
-              <a:rPr kumimoji="1" lang="en-US" altLang="ja-JP" dirty="0"/>
-              <a:t>)</a:t>
-            </a:r>
-            <a:endParaRPr lang="en-US" altLang="ja-JP" dirty="0"/>
-          </a:p>
-          <a:p>
-            <a:pPr algn="ctr"/>
-            <a:r>
-              <a:rPr kumimoji="1" lang="ja-JP" altLang="en-US" dirty="0"/>
-              <a:t>ゼロ・クリア</a:t>
-            </a:r>
-            <a:endParaRPr kumimoji="1" lang="en-US" altLang="ja-JP" dirty="0"/>
-          </a:p>
-        </p:txBody>
-      </p:sp>
-      <p:sp>
-        <p:nvSpPr>
-          <p:cNvPr id="13" name="吹き出し: 角を丸めた四角形 12">
-            <a:extLst>
-              <a:ext uri="{FF2B5EF4-FFF2-40B4-BE49-F238E27FC236}">
-                <a16:creationId xmlns:a16="http://schemas.microsoft.com/office/drawing/2014/main" id="{19E2824E-5589-4D85-9823-B47125F71EB8}"/>
-              </a:ext>
-            </a:extLst>
-          </p:cNvPr>
-          <p:cNvSpPr/>
-          <p:nvPr/>
-        </p:nvSpPr>
-        <p:spPr>
-          <a:xfrm>
-            <a:off x="3943904" y="3284737"/>
-            <a:ext cx="1868751" cy="754601"/>
-          </a:xfrm>
-          <a:prstGeom prst="wedgeRoundRectCallout">
-            <a:avLst>
-              <a:gd name="adj1" fmla="val -63213"/>
-              <a:gd name="adj2" fmla="val 119255"/>
-              <a:gd name="adj3" fmla="val 16667"/>
-            </a:avLst>
-          </a:prstGeom>
-        </p:spPr>
-        <p:style>
-          <a:lnRef idx="2">
-            <a:schemeClr val="accent1">
-              <a:shade val="50000"/>
-            </a:schemeClr>
-          </a:lnRef>
-          <a:fillRef idx="1">
-            <a:schemeClr val="accent1"/>
-          </a:fillRef>
-          <a:effectRef idx="0">
-            <a:schemeClr val="accent1"/>
-          </a:effectRef>
-          <a:fontRef idx="minor">
-            <a:schemeClr val="lt1"/>
-          </a:fontRef>
-        </p:style>
-        <p:txBody>
-          <a:bodyPr rtlCol="0" anchor="ctr"/>
-          <a:lstStyle/>
-          <a:p>
-            <a:pPr algn="ctr"/>
-            <a:r>
-              <a:rPr kumimoji="1" lang="en-US" altLang="ja-JP" dirty="0"/>
               <a:t>(</a:t>
             </a:r>
             <a:r>
@@ -5519,7 +5279,7 @@
         </p:nvSpPr>
         <p:spPr>
           <a:xfrm>
-            <a:off x="7764264" y="3284737"/>
+            <a:off x="6781038" y="3294569"/>
             <a:ext cx="1418206" cy="754601"/>
           </a:xfrm>
           <a:prstGeom prst="wedgeRoundRectCallout">
@@ -5580,6 +5340,156 @@
                 <a:srgbClr val="FFFF00"/>
               </a:solidFill>
             </a:endParaRPr>
+          </a:p>
+        </p:txBody>
+      </p:sp>
+      <p:sp>
+        <p:nvSpPr>
+          <p:cNvPr id="15" name="吹き出し: 角を丸めた四角形 14">
+            <a:extLst>
+              <a:ext uri="{FF2B5EF4-FFF2-40B4-BE49-F238E27FC236}">
+                <a16:creationId xmlns:a16="http://schemas.microsoft.com/office/drawing/2014/main" id="{E7A9C5F6-AE05-4DC4-9C96-DE7A9E10997D}"/>
+              </a:ext>
+            </a:extLst>
+          </p:cNvPr>
+          <p:cNvSpPr/>
+          <p:nvPr/>
+        </p:nvSpPr>
+        <p:spPr>
+          <a:xfrm>
+            <a:off x="3127038" y="5162697"/>
+            <a:ext cx="1868751" cy="754601"/>
+          </a:xfrm>
+          <a:prstGeom prst="wedgeRoundRectCallout">
+            <a:avLst>
+              <a:gd name="adj1" fmla="val -69526"/>
+              <a:gd name="adj2" fmla="val -356330"/>
+              <a:gd name="adj3" fmla="val 16667"/>
+            </a:avLst>
+          </a:prstGeom>
+        </p:spPr>
+        <p:style>
+          <a:lnRef idx="2">
+            <a:schemeClr val="accent1">
+              <a:shade val="50000"/>
+            </a:schemeClr>
+          </a:lnRef>
+          <a:fillRef idx="1">
+            <a:schemeClr val="accent1"/>
+          </a:fillRef>
+          <a:effectRef idx="0">
+            <a:schemeClr val="accent1"/>
+          </a:effectRef>
+          <a:fontRef idx="minor">
+            <a:schemeClr val="lt1"/>
+          </a:fontRef>
+        </p:style>
+        <p:txBody>
+          <a:bodyPr rtlCol="0" anchor="ctr"/>
+          <a:lstStyle/>
+          <a:p>
+            <a:pPr algn="ctr"/>
+            <a:r>
+              <a:rPr kumimoji="1" lang="en-US" altLang="ja-JP" dirty="0"/>
+              <a:t>(</a:t>
+            </a:r>
+            <a:r>
+              <a:rPr kumimoji="1" lang="ja-JP" altLang="en-US" dirty="0"/>
+              <a:t>数字の下半分</a:t>
+            </a:r>
+            <a:r>
+              <a:rPr kumimoji="1" lang="en-US" altLang="ja-JP" dirty="0"/>
+              <a:t>)</a:t>
+            </a:r>
+            <a:endParaRPr lang="en-US" altLang="ja-JP" dirty="0"/>
+          </a:p>
+          <a:p>
+            <a:pPr algn="ctr"/>
+            <a:r>
+              <a:rPr kumimoji="1" lang="ja-JP" altLang="en-US" b="1" dirty="0"/>
+              <a:t>ゼロ・</a:t>
+            </a:r>
+            <a:r>
+              <a:rPr kumimoji="1" lang="ja-JP" altLang="en-US" b="1" dirty="0">
+                <a:solidFill>
+                  <a:srgbClr val="FFFF00"/>
+                </a:solidFill>
+              </a:rPr>
+              <a:t>クリア</a:t>
+            </a:r>
+            <a:endParaRPr kumimoji="1" lang="en-US" altLang="ja-JP" b="1" dirty="0">
+              <a:solidFill>
+                <a:srgbClr val="FFFF00"/>
+              </a:solidFill>
+            </a:endParaRPr>
+          </a:p>
+        </p:txBody>
+      </p:sp>
+      <p:sp>
+        <p:nvSpPr>
+          <p:cNvPr id="16" name="吹き出し: 角を丸めた四角形 15">
+            <a:extLst>
+              <a:ext uri="{FF2B5EF4-FFF2-40B4-BE49-F238E27FC236}">
+                <a16:creationId xmlns:a16="http://schemas.microsoft.com/office/drawing/2014/main" id="{EFE8E637-A4C8-4EDF-9F02-4EDFB226905B}"/>
+              </a:ext>
+            </a:extLst>
+          </p:cNvPr>
+          <p:cNvSpPr/>
+          <p:nvPr/>
+        </p:nvSpPr>
+        <p:spPr>
+          <a:xfrm>
+            <a:off x="3127039" y="1446105"/>
+            <a:ext cx="1868751" cy="754601"/>
+          </a:xfrm>
+          <a:prstGeom prst="wedgeRoundRectCallout">
+            <a:avLst>
+              <a:gd name="adj1" fmla="val -88017"/>
+              <a:gd name="adj2" fmla="val 124125"/>
+              <a:gd name="adj3" fmla="val 16667"/>
+            </a:avLst>
+          </a:prstGeom>
+        </p:spPr>
+        <p:style>
+          <a:lnRef idx="2">
+            <a:schemeClr val="accent1">
+              <a:shade val="50000"/>
+            </a:schemeClr>
+          </a:lnRef>
+          <a:fillRef idx="1">
+            <a:schemeClr val="accent1"/>
+          </a:fillRef>
+          <a:effectRef idx="0">
+            <a:schemeClr val="accent1"/>
+          </a:effectRef>
+          <a:fontRef idx="minor">
+            <a:schemeClr val="lt1"/>
+          </a:fontRef>
+        </p:style>
+        <p:txBody>
+          <a:bodyPr rtlCol="0" anchor="ctr"/>
+          <a:lstStyle/>
+          <a:p>
+            <a:pPr algn="ctr"/>
+            <a:r>
+              <a:rPr kumimoji="1" lang="en-US" altLang="ja-JP" dirty="0"/>
+              <a:t>(</a:t>
+            </a:r>
+            <a:r>
+              <a:rPr kumimoji="1" lang="ja-JP" altLang="en-US" dirty="0"/>
+              <a:t>数字の上半分</a:t>
+            </a:r>
+            <a:r>
+              <a:rPr kumimoji="1" lang="en-US" altLang="ja-JP" dirty="0"/>
+              <a:t>)</a:t>
+            </a:r>
+          </a:p>
+          <a:p>
+            <a:pPr algn="ctr"/>
+            <a:r>
+              <a:rPr kumimoji="1" lang="ja-JP" altLang="en-US" b="1" dirty="0"/>
+              <a:t>カウントアップ</a:t>
+            </a:r>
           </a:p>
         </p:txBody>
       </p:sp>
